--- a/最美的禮物.pptx
+++ b/最美的禮物.pptx
@@ -10,7 +10,7 @@
     <p:sldId id="259" r:id="rId4"/>
     <p:sldId id="260" r:id="rId5"/>
   </p:sldIdLst>
-  <p:sldSz cx="9144000" cy="6858000" type="screen4x3"/>
+  <p:sldSz cx="12192000" cy="6858000"/>
   <p:notesSz cx="6858000" cy="9144000"/>
   <p:defaultTextStyle>
     <a:defPPr>
@@ -107,6 +107,22 @@
       </a:defRPr>
     </a:lvl9pPr>
   </p:defaultTextStyle>
+  <p:extLst>
+    <p:ext uri="{EFAFB233-063F-42B5-8137-9DF3F51BA10A}">
+      <p15:sldGuideLst xmlns:p15="http://schemas.microsoft.com/office/powerpoint/2012/main">
+        <p15:guide id="1" orient="horz" pos="2160" userDrawn="1">
+          <p15:clr>
+            <a:srgbClr val="A4A3A4"/>
+          </p15:clr>
+        </p15:guide>
+        <p15:guide id="2" pos="3840" userDrawn="1">
+          <p15:clr>
+            <a:srgbClr val="A4A3A4"/>
+          </p15:clr>
+        </p15:guide>
+      </p15:sldGuideLst>
+    </p:ext>
+  </p:extLst>
 </p:presentation>
 </file>
 
@@ -139,8 +155,8 @@
         </p:nvSpPr>
         <p:spPr>
           <a:xfrm>
-            <a:off x="685800" y="2130425"/>
-            <a:ext cx="7772400" cy="1470025"/>
+            <a:off x="914400" y="2130426"/>
+            <a:ext cx="10363200" cy="1470025"/>
           </a:xfrm>
         </p:spPr>
         <p:txBody>
@@ -167,8 +183,8 @@
         </p:nvSpPr>
         <p:spPr>
           <a:xfrm>
-            <a:off x="1371600" y="3886200"/>
-            <a:ext cx="6400800" cy="1752600"/>
+            <a:off x="1828800" y="3886200"/>
+            <a:ext cx="8534400" cy="1752600"/>
           </a:xfrm>
         </p:spPr>
         <p:txBody>
@@ -291,7 +307,7 @@
           <a:p>
             <a:fld id="{EE40A0B7-CDAD-46BA-BE6C-EFC19534B14B}" type="datetimeFigureOut">
               <a:rPr lang="zh-TW" altLang="en-US" smtClean="0"/>
-              <a:t>2018/12/6</a:t>
+              <a:t>2019/12/7</a:t>
             </a:fld>
             <a:endParaRPr lang="zh-TW" altLang="en-US"/>
           </a:p>
@@ -456,7 +472,7 @@
           <a:p>
             <a:fld id="{EE40A0B7-CDAD-46BA-BE6C-EFC19534B14B}" type="datetimeFigureOut">
               <a:rPr lang="zh-TW" altLang="en-US" smtClean="0"/>
-              <a:t>2018/12/6</a:t>
+              <a:t>2019/12/7</a:t>
             </a:fld>
             <a:endParaRPr lang="zh-TW" altLang="en-US"/>
           </a:p>
@@ -541,8 +557,8 @@
         </p:nvSpPr>
         <p:spPr>
           <a:xfrm>
-            <a:off x="6629400" y="274638"/>
-            <a:ext cx="2057400" cy="5851525"/>
+            <a:off x="8839200" y="274639"/>
+            <a:ext cx="2743200" cy="5851525"/>
           </a:xfrm>
         </p:spPr>
         <p:txBody>
@@ -569,8 +585,8 @@
         </p:nvSpPr>
         <p:spPr>
           <a:xfrm>
-            <a:off x="457200" y="274638"/>
-            <a:ext cx="6019800" cy="5851525"/>
+            <a:off x="609600" y="274639"/>
+            <a:ext cx="8026400" cy="5851525"/>
           </a:xfrm>
         </p:spPr>
         <p:txBody>
@@ -631,7 +647,7 @@
           <a:p>
             <a:fld id="{EE40A0B7-CDAD-46BA-BE6C-EFC19534B14B}" type="datetimeFigureOut">
               <a:rPr lang="zh-TW" altLang="en-US" smtClean="0"/>
-              <a:t>2018/12/6</a:t>
+              <a:t>2019/12/7</a:t>
             </a:fld>
             <a:endParaRPr lang="zh-TW" altLang="en-US"/>
           </a:p>
@@ -796,7 +812,7 @@
           <a:p>
             <a:fld id="{EE40A0B7-CDAD-46BA-BE6C-EFC19534B14B}" type="datetimeFigureOut">
               <a:rPr lang="zh-TW" altLang="en-US" smtClean="0"/>
-              <a:t>2018/12/6</a:t>
+              <a:t>2019/12/7</a:t>
             </a:fld>
             <a:endParaRPr lang="zh-TW" altLang="en-US"/>
           </a:p>
@@ -881,8 +897,8 @@
         </p:nvSpPr>
         <p:spPr>
           <a:xfrm>
-            <a:off x="722313" y="4406900"/>
-            <a:ext cx="7772400" cy="1362075"/>
+            <a:off x="963084" y="4406901"/>
+            <a:ext cx="10363200" cy="1362075"/>
           </a:xfrm>
         </p:spPr>
         <p:txBody>
@@ -913,8 +929,8 @@
         </p:nvSpPr>
         <p:spPr>
           <a:xfrm>
-            <a:off x="722313" y="2906713"/>
-            <a:ext cx="7772400" cy="1500187"/>
+            <a:off x="963084" y="2906713"/>
+            <a:ext cx="10363200" cy="1500187"/>
           </a:xfrm>
         </p:spPr>
         <p:txBody>
@@ -1037,7 +1053,7 @@
           <a:p>
             <a:fld id="{EE40A0B7-CDAD-46BA-BE6C-EFC19534B14B}" type="datetimeFigureOut">
               <a:rPr lang="zh-TW" altLang="en-US" smtClean="0"/>
-              <a:t>2018/12/6</a:t>
+              <a:t>2019/12/7</a:t>
             </a:fld>
             <a:endParaRPr lang="zh-TW" altLang="en-US"/>
           </a:p>
@@ -1145,8 +1161,8 @@
         </p:nvSpPr>
         <p:spPr>
           <a:xfrm>
-            <a:off x="457200" y="1600200"/>
-            <a:ext cx="4038600" cy="4525963"/>
+            <a:off x="609600" y="1600201"/>
+            <a:ext cx="5384800" cy="4525963"/>
           </a:xfrm>
         </p:spPr>
         <p:txBody>
@@ -1230,8 +1246,8 @@
         </p:nvSpPr>
         <p:spPr>
           <a:xfrm>
-            <a:off x="4648200" y="1600200"/>
-            <a:ext cx="4038600" cy="4525963"/>
+            <a:off x="6197600" y="1600201"/>
+            <a:ext cx="5384800" cy="4525963"/>
           </a:xfrm>
         </p:spPr>
         <p:txBody>
@@ -1320,7 +1336,7 @@
           <a:p>
             <a:fld id="{EE40A0B7-CDAD-46BA-BE6C-EFC19534B14B}" type="datetimeFigureOut">
               <a:rPr lang="zh-TW" altLang="en-US" smtClean="0"/>
-              <a:t>2018/12/6</a:t>
+              <a:t>2019/12/7</a:t>
             </a:fld>
             <a:endParaRPr lang="zh-TW" altLang="en-US"/>
           </a:p>
@@ -1432,8 +1448,8 @@
         </p:nvSpPr>
         <p:spPr>
           <a:xfrm>
-            <a:off x="457200" y="1535113"/>
-            <a:ext cx="4040188" cy="639762"/>
+            <a:off x="609600" y="1535113"/>
+            <a:ext cx="5386917" cy="639762"/>
           </a:xfrm>
         </p:spPr>
         <p:txBody>
@@ -1497,8 +1513,8 @@
         </p:nvSpPr>
         <p:spPr>
           <a:xfrm>
-            <a:off x="457200" y="2174875"/>
-            <a:ext cx="4040188" cy="3951288"/>
+            <a:off x="609600" y="2174875"/>
+            <a:ext cx="5386917" cy="3951288"/>
           </a:xfrm>
         </p:spPr>
         <p:txBody>
@@ -1582,8 +1598,8 @@
         </p:nvSpPr>
         <p:spPr>
           <a:xfrm>
-            <a:off x="4645025" y="1535113"/>
-            <a:ext cx="4041775" cy="639762"/>
+            <a:off x="6193368" y="1535113"/>
+            <a:ext cx="5389033" cy="639762"/>
           </a:xfrm>
         </p:spPr>
         <p:txBody>
@@ -1647,8 +1663,8 @@
         </p:nvSpPr>
         <p:spPr>
           <a:xfrm>
-            <a:off x="4645025" y="2174875"/>
-            <a:ext cx="4041775" cy="3951288"/>
+            <a:off x="6193368" y="2174875"/>
+            <a:ext cx="5389033" cy="3951288"/>
           </a:xfrm>
         </p:spPr>
         <p:txBody>
@@ -1737,7 +1753,7 @@
           <a:p>
             <a:fld id="{EE40A0B7-CDAD-46BA-BE6C-EFC19534B14B}" type="datetimeFigureOut">
               <a:rPr lang="zh-TW" altLang="en-US" smtClean="0"/>
-              <a:t>2018/12/6</a:t>
+              <a:t>2019/12/7</a:t>
             </a:fld>
             <a:endParaRPr lang="zh-TW" altLang="en-US"/>
           </a:p>
@@ -1850,7 +1866,7 @@
           <a:p>
             <a:fld id="{EE40A0B7-CDAD-46BA-BE6C-EFC19534B14B}" type="datetimeFigureOut">
               <a:rPr lang="zh-TW" altLang="en-US" smtClean="0"/>
-              <a:t>2018/12/6</a:t>
+              <a:t>2019/12/7</a:t>
             </a:fld>
             <a:endParaRPr lang="zh-TW" altLang="en-US"/>
           </a:p>
@@ -1940,7 +1956,7 @@
           <a:p>
             <a:fld id="{EE40A0B7-CDAD-46BA-BE6C-EFC19534B14B}" type="datetimeFigureOut">
               <a:rPr lang="zh-TW" altLang="en-US" smtClean="0"/>
-              <a:t>2018/12/6</a:t>
+              <a:t>2019/12/7</a:t>
             </a:fld>
             <a:endParaRPr lang="zh-TW" altLang="en-US"/>
           </a:p>
@@ -2025,8 +2041,8 @@
         </p:nvSpPr>
         <p:spPr>
           <a:xfrm>
-            <a:off x="457200" y="273050"/>
-            <a:ext cx="3008313" cy="1162050"/>
+            <a:off x="609601" y="273050"/>
+            <a:ext cx="4011084" cy="1162050"/>
           </a:xfrm>
         </p:spPr>
         <p:txBody>
@@ -2057,8 +2073,8 @@
         </p:nvSpPr>
         <p:spPr>
           <a:xfrm>
-            <a:off x="3575050" y="273050"/>
-            <a:ext cx="5111750" cy="5853113"/>
+            <a:off x="4766733" y="273051"/>
+            <a:ext cx="6815667" cy="5853113"/>
           </a:xfrm>
         </p:spPr>
         <p:txBody>
@@ -2142,8 +2158,8 @@
         </p:nvSpPr>
         <p:spPr>
           <a:xfrm>
-            <a:off x="457200" y="1435100"/>
-            <a:ext cx="3008313" cy="4691063"/>
+            <a:off x="609601" y="1435101"/>
+            <a:ext cx="4011084" cy="4691063"/>
           </a:xfrm>
         </p:spPr>
         <p:txBody>
@@ -2212,7 +2228,7 @@
           <a:p>
             <a:fld id="{EE40A0B7-CDAD-46BA-BE6C-EFC19534B14B}" type="datetimeFigureOut">
               <a:rPr lang="zh-TW" altLang="en-US" smtClean="0"/>
-              <a:t>2018/12/6</a:t>
+              <a:t>2019/12/7</a:t>
             </a:fld>
             <a:endParaRPr lang="zh-TW" altLang="en-US"/>
           </a:p>
@@ -2297,8 +2313,8 @@
         </p:nvSpPr>
         <p:spPr>
           <a:xfrm>
-            <a:off x="1792288" y="4800600"/>
-            <a:ext cx="5486400" cy="566738"/>
+            <a:off x="2389717" y="4800600"/>
+            <a:ext cx="7315200" cy="566738"/>
           </a:xfrm>
         </p:spPr>
         <p:txBody>
@@ -2329,8 +2345,8 @@
         </p:nvSpPr>
         <p:spPr>
           <a:xfrm>
-            <a:off x="1792288" y="612775"/>
-            <a:ext cx="5486400" cy="4114800"/>
+            <a:off x="2389717" y="612775"/>
+            <a:ext cx="7315200" cy="4114800"/>
           </a:xfrm>
         </p:spPr>
         <p:txBody>
@@ -2390,8 +2406,8 @@
         </p:nvSpPr>
         <p:spPr>
           <a:xfrm>
-            <a:off x="1792288" y="5367338"/>
-            <a:ext cx="5486400" cy="804862"/>
+            <a:off x="2389717" y="5367338"/>
+            <a:ext cx="7315200" cy="804862"/>
           </a:xfrm>
         </p:spPr>
         <p:txBody>
@@ -2460,7 +2476,7 @@
           <a:p>
             <a:fld id="{EE40A0B7-CDAD-46BA-BE6C-EFC19534B14B}" type="datetimeFigureOut">
               <a:rPr lang="zh-TW" altLang="en-US" smtClean="0"/>
-              <a:t>2018/12/6</a:t>
+              <a:t>2019/12/7</a:t>
             </a:fld>
             <a:endParaRPr lang="zh-TW" altLang="en-US"/>
           </a:p>
@@ -2550,8 +2566,8 @@
         </p:nvSpPr>
         <p:spPr>
           <a:xfrm>
-            <a:off x="457200" y="274638"/>
-            <a:ext cx="8229600" cy="1143000"/>
+            <a:off x="609600" y="274638"/>
+            <a:ext cx="10972800" cy="1143000"/>
           </a:xfrm>
           <a:prstGeom prst="rect">
             <a:avLst/>
@@ -2583,8 +2599,8 @@
         </p:nvSpPr>
         <p:spPr>
           <a:xfrm>
-            <a:off x="457200" y="1600200"/>
-            <a:ext cx="8229600" cy="4525963"/>
+            <a:off x="609600" y="1600201"/>
+            <a:ext cx="10972800" cy="4525963"/>
           </a:xfrm>
           <a:prstGeom prst="rect">
             <a:avLst/>
@@ -2645,8 +2661,8 @@
         </p:nvSpPr>
         <p:spPr>
           <a:xfrm>
-            <a:off x="457200" y="6356350"/>
-            <a:ext cx="2133600" cy="365125"/>
+            <a:off x="609600" y="6356351"/>
+            <a:ext cx="2844800" cy="365125"/>
           </a:xfrm>
           <a:prstGeom prst="rect">
             <a:avLst/>
@@ -2668,7 +2684,7 @@
           <a:p>
             <a:fld id="{EE40A0B7-CDAD-46BA-BE6C-EFC19534B14B}" type="datetimeFigureOut">
               <a:rPr lang="zh-TW" altLang="en-US" smtClean="0"/>
-              <a:t>2018/12/6</a:t>
+              <a:t>2019/12/7</a:t>
             </a:fld>
             <a:endParaRPr lang="zh-TW" altLang="en-US"/>
           </a:p>
@@ -2686,8 +2702,8 @@
         </p:nvSpPr>
         <p:spPr>
           <a:xfrm>
-            <a:off x="3124200" y="6356350"/>
-            <a:ext cx="2895600" cy="365125"/>
+            <a:off x="4165600" y="6356351"/>
+            <a:ext cx="3860800" cy="365125"/>
           </a:xfrm>
           <a:prstGeom prst="rect">
             <a:avLst/>
@@ -2723,8 +2739,8 @@
         </p:nvSpPr>
         <p:spPr>
           <a:xfrm>
-            <a:off x="6553200" y="6356350"/>
-            <a:ext cx="2133600" cy="365125"/>
+            <a:off x="8737600" y="6356351"/>
+            <a:ext cx="2844800" cy="365125"/>
           </a:xfrm>
           <a:prstGeom prst="rect">
             <a:avLst/>
@@ -3090,7 +3106,7 @@
               </a:rPr>
               <a:t>綠色樹下 堆滿禮物 </a:t>
             </a:r>
-            <a:endParaRPr lang="en-US" altLang="zh-TW" sz="5400" b="1" dirty="0" smtClean="0">
+            <a:endParaRPr lang="en-US" altLang="zh-TW" sz="5400" b="1" dirty="0">
               <a:latin typeface="微軟正黑體" pitchFamily="34" charset="-120"/>
               <a:ea typeface="微軟正黑體" pitchFamily="34" charset="-120"/>
             </a:endParaRPr>
@@ -3100,7 +3116,7 @@
               <a:buNone/>
             </a:pPr>
             <a:r>
-              <a:rPr lang="zh-TW" altLang="en-US" sz="5400" b="1" dirty="0" smtClean="0">
+              <a:rPr lang="zh-TW" altLang="en-US" sz="5400" b="1" dirty="0">
                 <a:latin typeface="微軟正黑體" pitchFamily="34" charset="-120"/>
                 <a:ea typeface="微軟正黑體" pitchFamily="34" charset="-120"/>
               </a:rPr>
@@ -3113,7 +3129,7 @@
               </a:rPr>
               <a:t>卡片 圍繞火爐 </a:t>
             </a:r>
-            <a:endParaRPr lang="en-US" altLang="zh-TW" sz="5400" b="1" dirty="0" smtClean="0">
+            <a:endParaRPr lang="en-US" altLang="zh-TW" sz="5400" b="1" dirty="0">
               <a:latin typeface="微軟正黑體" pitchFamily="34" charset="-120"/>
               <a:ea typeface="微軟正黑體" pitchFamily="34" charset="-120"/>
             </a:endParaRPr>
@@ -3123,7 +3139,7 @@
               <a:buNone/>
             </a:pPr>
             <a:r>
-              <a:rPr lang="zh-TW" altLang="en-US" sz="5400" b="1" dirty="0" smtClean="0">
+              <a:rPr lang="zh-TW" altLang="en-US" sz="5400" b="1" dirty="0">
                 <a:latin typeface="微軟正黑體" pitchFamily="34" charset="-120"/>
                 <a:ea typeface="微軟正黑體" pitchFamily="34" charset="-120"/>
               </a:rPr>
@@ -3146,7 +3162,7 @@
               <a:buNone/>
             </a:pPr>
             <a:r>
-              <a:rPr lang="zh-TW" altLang="en-US" sz="5400" b="1" dirty="0" smtClean="0">
+              <a:rPr lang="zh-TW" altLang="en-US" sz="5400" b="1" dirty="0">
                 <a:latin typeface="微軟正黑體" pitchFamily="34" charset="-120"/>
                 <a:ea typeface="微軟正黑體" pitchFamily="34" charset="-120"/>
               </a:rPr>
@@ -3224,7 +3240,7 @@
         </p:nvSpPr>
         <p:spPr>
           <a:xfrm>
-            <a:off x="457200" y="1600200"/>
+            <a:off x="1981200" y="1600200"/>
             <a:ext cx="8229600" cy="5257800"/>
           </a:xfrm>
         </p:spPr>
@@ -3373,7 +3389,7 @@
         </p:nvSpPr>
         <p:spPr>
           <a:xfrm>
-            <a:off x="457200" y="1600200"/>
+            <a:off x="1981200" y="1600200"/>
             <a:ext cx="8229600" cy="5257800"/>
           </a:xfrm>
         </p:spPr>
@@ -3506,7 +3522,7 @@
         </p:nvSpPr>
         <p:spPr>
           <a:xfrm>
-            <a:off x="457200" y="1600200"/>
+            <a:off x="1981200" y="1600200"/>
             <a:ext cx="8229600" cy="5257800"/>
           </a:xfrm>
         </p:spPr>

--- a/最美的禮物.pptx
+++ b/最美的禮物.pptx
@@ -2,13 +2,18 @@
 <file path=ppt/presentation.xml><?xml version="1.0" encoding="utf-8"?>
 <p:presentation xmlns:a="http://schemas.openxmlformats.org/drawingml/2006/main" xmlns:r="http://schemas.openxmlformats.org/officeDocument/2006/relationships" xmlns:p="http://schemas.openxmlformats.org/presentationml/2006/main" saveSubsetFonts="1">
   <p:sldMasterIdLst>
-    <p:sldMasterId id="2147483648" r:id="rId1"/>
+    <p:sldMasterId id="2147483660" r:id="rId1"/>
   </p:sldMasterIdLst>
   <p:sldIdLst>
-    <p:sldId id="257" r:id="rId2"/>
-    <p:sldId id="258" r:id="rId3"/>
-    <p:sldId id="259" r:id="rId4"/>
-    <p:sldId id="260" r:id="rId5"/>
+    <p:sldId id="261" r:id="rId2"/>
+    <p:sldId id="262" r:id="rId3"/>
+    <p:sldId id="263" r:id="rId4"/>
+    <p:sldId id="264" r:id="rId5"/>
+    <p:sldId id="265" r:id="rId6"/>
+    <p:sldId id="266" r:id="rId7"/>
+    <p:sldId id="267" r:id="rId8"/>
+    <p:sldId id="268" r:id="rId9"/>
+    <p:sldId id="269" r:id="rId10"/>
   </p:sldIdLst>
   <p:sldSz cx="12192000" cy="6858000"/>
   <p:notesSz cx="6858000" cy="9144000"/>
@@ -155,7 +160,7 @@
         </p:nvSpPr>
         <p:spPr>
           <a:xfrm>
-            <a:off x="914400" y="2130426"/>
+            <a:off x="914400" y="2130428"/>
             <a:ext cx="10363200" cy="1470025"/>
           </a:xfrm>
         </p:spPr>
@@ -164,8 +169,8 @@
           <a:lstStyle/>
           <a:p>
             <a:r>
-              <a:rPr lang="zh-TW" altLang="en-US" smtClean="0"/>
-              <a:t>按一下以編輯母片標題樣式</a:t>
+              <a:rPr lang="en-US" altLang="zh-TW" smtClean="0"/>
+              <a:t>Click to edit Master title style</a:t>
             </a:r>
             <a:endParaRPr lang="zh-TW" altLang="en-US"/>
           </a:p>
@@ -200,7 +205,7 @@
                 </a:solidFill>
               </a:defRPr>
             </a:lvl1pPr>
-            <a:lvl2pPr marL="457200" indent="0" algn="ctr">
+            <a:lvl2pPr marL="609585" indent="0" algn="ctr">
               <a:buNone/>
               <a:defRPr>
                 <a:solidFill>
@@ -210,7 +215,7 @@
                 </a:solidFill>
               </a:defRPr>
             </a:lvl2pPr>
-            <a:lvl3pPr marL="914400" indent="0" algn="ctr">
+            <a:lvl3pPr marL="1219170" indent="0" algn="ctr">
               <a:buNone/>
               <a:defRPr>
                 <a:solidFill>
@@ -220,7 +225,7 @@
                 </a:solidFill>
               </a:defRPr>
             </a:lvl3pPr>
-            <a:lvl4pPr marL="1371600" indent="0" algn="ctr">
+            <a:lvl4pPr marL="1828754" indent="0" algn="ctr">
               <a:buNone/>
               <a:defRPr>
                 <a:solidFill>
@@ -230,7 +235,7 @@
                 </a:solidFill>
               </a:defRPr>
             </a:lvl4pPr>
-            <a:lvl5pPr marL="1828800" indent="0" algn="ctr">
+            <a:lvl5pPr marL="2438339" indent="0" algn="ctr">
               <a:buNone/>
               <a:defRPr>
                 <a:solidFill>
@@ -240,7 +245,7 @@
                 </a:solidFill>
               </a:defRPr>
             </a:lvl5pPr>
-            <a:lvl6pPr marL="2286000" indent="0" algn="ctr">
+            <a:lvl6pPr marL="3047924" indent="0" algn="ctr">
               <a:buNone/>
               <a:defRPr>
                 <a:solidFill>
@@ -250,7 +255,7 @@
                 </a:solidFill>
               </a:defRPr>
             </a:lvl6pPr>
-            <a:lvl7pPr marL="2743200" indent="0" algn="ctr">
+            <a:lvl7pPr marL="3657509" indent="0" algn="ctr">
               <a:buNone/>
               <a:defRPr>
                 <a:solidFill>
@@ -260,7 +265,7 @@
                 </a:solidFill>
               </a:defRPr>
             </a:lvl7pPr>
-            <a:lvl8pPr marL="3200400" indent="0" algn="ctr">
+            <a:lvl8pPr marL="4267093" indent="0" algn="ctr">
               <a:buNone/>
               <a:defRPr>
                 <a:solidFill>
@@ -270,7 +275,7 @@
                 </a:solidFill>
               </a:defRPr>
             </a:lvl8pPr>
-            <a:lvl9pPr marL="3657600" indent="0" algn="ctr">
+            <a:lvl9pPr marL="4876678" indent="0" algn="ctr">
               <a:buNone/>
               <a:defRPr>
                 <a:solidFill>
@@ -283,8 +288,8 @@
           </a:lstStyle>
           <a:p>
             <a:r>
-              <a:rPr lang="zh-TW" altLang="en-US" smtClean="0"/>
-              <a:t>按一下以編輯母片副標題樣式</a:t>
+              <a:rPr lang="en-US" altLang="zh-TW" smtClean="0"/>
+              <a:t>Click to edit Master subtitle style</a:t>
             </a:r>
             <a:endParaRPr lang="zh-TW" altLang="en-US"/>
           </a:p>
@@ -307,7 +312,7 @@
           <a:p>
             <a:fld id="{EE40A0B7-CDAD-46BA-BE6C-EFC19534B14B}" type="datetimeFigureOut">
               <a:rPr lang="zh-TW" altLang="en-US" smtClean="0"/>
-              <a:t>2019/12/7</a:t>
+              <a:t>2022/12/14</a:t>
             </a:fld>
             <a:endParaRPr lang="zh-TW" altLang="en-US"/>
           </a:p>
@@ -356,6 +361,11 @@
         </p:txBody>
       </p:sp>
     </p:spTree>
+    <p:extLst>
+      <p:ext uri="{BB962C8B-B14F-4D97-AF65-F5344CB8AC3E}">
+        <p14:creationId xmlns:p14="http://schemas.microsoft.com/office/powerpoint/2010/main" val="3696684823"/>
+      </p:ext>
+    </p:extLst>
   </p:cSld>
   <p:clrMapOvr>
     <a:masterClrMapping/>
@@ -396,8 +406,8 @@
           <a:lstStyle/>
           <a:p>
             <a:r>
-              <a:rPr lang="zh-TW" altLang="en-US" smtClean="0"/>
-              <a:t>按一下以編輯母片標題樣式</a:t>
+              <a:rPr lang="en-US" altLang="zh-TW" smtClean="0"/>
+              <a:t>Click to edit Master title style</a:t>
             </a:r>
             <a:endParaRPr lang="zh-TW" altLang="en-US"/>
           </a:p>
@@ -420,36 +430,36 @@
           <a:p>
             <a:pPr lvl="0"/>
             <a:r>
-              <a:rPr lang="zh-TW" altLang="en-US" smtClean="0"/>
-              <a:t>按一下以編輯母片文字樣式</a:t>
+              <a:rPr lang="en-US" altLang="zh-TW" smtClean="0"/>
+              <a:t>Edit Master text styles</a:t>
             </a:r>
           </a:p>
           <a:p>
             <a:pPr lvl="1"/>
             <a:r>
-              <a:rPr lang="zh-TW" altLang="en-US" smtClean="0"/>
-              <a:t>第二層</a:t>
+              <a:rPr lang="en-US" altLang="zh-TW" smtClean="0"/>
+              <a:t>Second level</a:t>
             </a:r>
           </a:p>
           <a:p>
             <a:pPr lvl="2"/>
             <a:r>
-              <a:rPr lang="zh-TW" altLang="en-US" smtClean="0"/>
-              <a:t>第三層</a:t>
+              <a:rPr lang="en-US" altLang="zh-TW" smtClean="0"/>
+              <a:t>Third level</a:t>
             </a:r>
           </a:p>
           <a:p>
             <a:pPr lvl="3"/>
             <a:r>
-              <a:rPr lang="zh-TW" altLang="en-US" smtClean="0"/>
-              <a:t>第四層</a:t>
+              <a:rPr lang="en-US" altLang="zh-TW" smtClean="0"/>
+              <a:t>Fourth level</a:t>
             </a:r>
           </a:p>
           <a:p>
             <a:pPr lvl="4"/>
             <a:r>
-              <a:rPr lang="zh-TW" altLang="en-US" smtClean="0"/>
-              <a:t>第五層</a:t>
+              <a:rPr lang="en-US" altLang="zh-TW" smtClean="0"/>
+              <a:t>Fifth level</a:t>
             </a:r>
             <a:endParaRPr lang="zh-TW" altLang="en-US"/>
           </a:p>
@@ -472,7 +482,7 @@
           <a:p>
             <a:fld id="{EE40A0B7-CDAD-46BA-BE6C-EFC19534B14B}" type="datetimeFigureOut">
               <a:rPr lang="zh-TW" altLang="en-US" smtClean="0"/>
-              <a:t>2019/12/7</a:t>
+              <a:t>2022/12/14</a:t>
             </a:fld>
             <a:endParaRPr lang="zh-TW" altLang="en-US"/>
           </a:p>
@@ -521,6 +531,11 @@
         </p:txBody>
       </p:sp>
     </p:spTree>
+    <p:extLst>
+      <p:ext uri="{BB962C8B-B14F-4D97-AF65-F5344CB8AC3E}">
+        <p14:creationId xmlns:p14="http://schemas.microsoft.com/office/powerpoint/2010/main" val="356510358"/>
+      </p:ext>
+    </p:extLst>
   </p:cSld>
   <p:clrMapOvr>
     <a:masterClrMapping/>
@@ -566,8 +581,8 @@
           <a:lstStyle/>
           <a:p>
             <a:r>
-              <a:rPr lang="zh-TW" altLang="en-US" smtClean="0"/>
-              <a:t>按一下以編輯母片標題樣式</a:t>
+              <a:rPr lang="en-US" altLang="zh-TW" smtClean="0"/>
+              <a:t>Click to edit Master title style</a:t>
             </a:r>
             <a:endParaRPr lang="zh-TW" altLang="en-US"/>
           </a:p>
@@ -595,36 +610,36 @@
           <a:p>
             <a:pPr lvl="0"/>
             <a:r>
-              <a:rPr lang="zh-TW" altLang="en-US" smtClean="0"/>
-              <a:t>按一下以編輯母片文字樣式</a:t>
+              <a:rPr lang="en-US" altLang="zh-TW" smtClean="0"/>
+              <a:t>Edit Master text styles</a:t>
             </a:r>
           </a:p>
           <a:p>
             <a:pPr lvl="1"/>
             <a:r>
-              <a:rPr lang="zh-TW" altLang="en-US" smtClean="0"/>
-              <a:t>第二層</a:t>
+              <a:rPr lang="en-US" altLang="zh-TW" smtClean="0"/>
+              <a:t>Second level</a:t>
             </a:r>
           </a:p>
           <a:p>
             <a:pPr lvl="2"/>
             <a:r>
-              <a:rPr lang="zh-TW" altLang="en-US" smtClean="0"/>
-              <a:t>第三層</a:t>
+              <a:rPr lang="en-US" altLang="zh-TW" smtClean="0"/>
+              <a:t>Third level</a:t>
             </a:r>
           </a:p>
           <a:p>
             <a:pPr lvl="3"/>
             <a:r>
-              <a:rPr lang="zh-TW" altLang="en-US" smtClean="0"/>
-              <a:t>第四層</a:t>
+              <a:rPr lang="en-US" altLang="zh-TW" smtClean="0"/>
+              <a:t>Fourth level</a:t>
             </a:r>
           </a:p>
           <a:p>
             <a:pPr lvl="4"/>
             <a:r>
-              <a:rPr lang="zh-TW" altLang="en-US" smtClean="0"/>
-              <a:t>第五層</a:t>
+              <a:rPr lang="en-US" altLang="zh-TW" smtClean="0"/>
+              <a:t>Fifth level</a:t>
             </a:r>
             <a:endParaRPr lang="zh-TW" altLang="en-US"/>
           </a:p>
@@ -647,7 +662,7 @@
           <a:p>
             <a:fld id="{EE40A0B7-CDAD-46BA-BE6C-EFC19534B14B}" type="datetimeFigureOut">
               <a:rPr lang="zh-TW" altLang="en-US" smtClean="0"/>
-              <a:t>2019/12/7</a:t>
+              <a:t>2022/12/14</a:t>
             </a:fld>
             <a:endParaRPr lang="zh-TW" altLang="en-US"/>
           </a:p>
@@ -696,6 +711,11 @@
         </p:txBody>
       </p:sp>
     </p:spTree>
+    <p:extLst>
+      <p:ext uri="{BB962C8B-B14F-4D97-AF65-F5344CB8AC3E}">
+        <p14:creationId xmlns:p14="http://schemas.microsoft.com/office/powerpoint/2010/main" val="73348265"/>
+      </p:ext>
+    </p:extLst>
   </p:cSld>
   <p:clrMapOvr>
     <a:masterClrMapping/>
@@ -736,8 +756,8 @@
           <a:lstStyle/>
           <a:p>
             <a:r>
-              <a:rPr lang="zh-TW" altLang="en-US" smtClean="0"/>
-              <a:t>按一下以編輯母片標題樣式</a:t>
+              <a:rPr lang="en-US" altLang="zh-TW" smtClean="0"/>
+              <a:t>Click to edit Master title style</a:t>
             </a:r>
             <a:endParaRPr lang="zh-TW" altLang="en-US"/>
           </a:p>
@@ -760,36 +780,36 @@
           <a:p>
             <a:pPr lvl="0"/>
             <a:r>
-              <a:rPr lang="zh-TW" altLang="en-US" smtClean="0"/>
-              <a:t>按一下以編輯母片文字樣式</a:t>
+              <a:rPr lang="en-US" altLang="zh-TW" smtClean="0"/>
+              <a:t>Edit Master text styles</a:t>
             </a:r>
           </a:p>
           <a:p>
             <a:pPr lvl="1"/>
             <a:r>
-              <a:rPr lang="zh-TW" altLang="en-US" smtClean="0"/>
-              <a:t>第二層</a:t>
+              <a:rPr lang="en-US" altLang="zh-TW" smtClean="0"/>
+              <a:t>Second level</a:t>
             </a:r>
           </a:p>
           <a:p>
             <a:pPr lvl="2"/>
             <a:r>
-              <a:rPr lang="zh-TW" altLang="en-US" smtClean="0"/>
-              <a:t>第三層</a:t>
+              <a:rPr lang="en-US" altLang="zh-TW" smtClean="0"/>
+              <a:t>Third level</a:t>
             </a:r>
           </a:p>
           <a:p>
             <a:pPr lvl="3"/>
             <a:r>
-              <a:rPr lang="zh-TW" altLang="en-US" smtClean="0"/>
-              <a:t>第四層</a:t>
+              <a:rPr lang="en-US" altLang="zh-TW" smtClean="0"/>
+              <a:t>Fourth level</a:t>
             </a:r>
           </a:p>
           <a:p>
             <a:pPr lvl="4"/>
             <a:r>
-              <a:rPr lang="zh-TW" altLang="en-US" smtClean="0"/>
-              <a:t>第五層</a:t>
+              <a:rPr lang="en-US" altLang="zh-TW" smtClean="0"/>
+              <a:t>Fifth level</a:t>
             </a:r>
             <a:endParaRPr lang="zh-TW" altLang="en-US"/>
           </a:p>
@@ -812,7 +832,7 @@
           <a:p>
             <a:fld id="{EE40A0B7-CDAD-46BA-BE6C-EFC19534B14B}" type="datetimeFigureOut">
               <a:rPr lang="zh-TW" altLang="en-US" smtClean="0"/>
-              <a:t>2019/12/7</a:t>
+              <a:t>2022/12/14</a:t>
             </a:fld>
             <a:endParaRPr lang="zh-TW" altLang="en-US"/>
           </a:p>
@@ -861,6 +881,11 @@
         </p:txBody>
       </p:sp>
     </p:spTree>
+    <p:extLst>
+      <p:ext uri="{BB962C8B-B14F-4D97-AF65-F5344CB8AC3E}">
+        <p14:creationId xmlns:p14="http://schemas.microsoft.com/office/powerpoint/2010/main" val="1917912342"/>
+      </p:ext>
+    </p:extLst>
   </p:cSld>
   <p:clrMapOvr>
     <a:masterClrMapping/>
@@ -905,13 +930,13 @@
           <a:bodyPr anchor="t"/>
           <a:lstStyle>
             <a:lvl1pPr algn="l">
-              <a:defRPr sz="4000" b="1" cap="all"/>
+              <a:defRPr sz="5333" b="1" cap="all"/>
             </a:lvl1pPr>
           </a:lstStyle>
           <a:p>
             <a:r>
-              <a:rPr lang="zh-TW" altLang="en-US" smtClean="0"/>
-              <a:t>按一下以編輯母片標題樣式</a:t>
+              <a:rPr lang="en-US" altLang="zh-TW" smtClean="0"/>
+              <a:t>Click to edit Master title style</a:t>
             </a:r>
             <a:endParaRPr lang="zh-TW" altLang="en-US"/>
           </a:p>
@@ -938,7 +963,7 @@
           <a:lstStyle>
             <a:lvl1pPr marL="0" indent="0">
               <a:buNone/>
-              <a:defRPr sz="2000">
+              <a:defRPr sz="2667">
                 <a:solidFill>
                   <a:schemeClr val="tx1">
                     <a:tint val="75000"/>
@@ -946,9 +971,9 @@
                 </a:solidFill>
               </a:defRPr>
             </a:lvl1pPr>
-            <a:lvl2pPr marL="457200" indent="0">
-              <a:buNone/>
-              <a:defRPr sz="1800">
+            <a:lvl2pPr marL="609585" indent="0">
+              <a:buNone/>
+              <a:defRPr sz="2400">
                 <a:solidFill>
                   <a:schemeClr val="tx1">
                     <a:tint val="75000"/>
@@ -956,9 +981,9 @@
                 </a:solidFill>
               </a:defRPr>
             </a:lvl2pPr>
-            <a:lvl3pPr marL="914400" indent="0">
-              <a:buNone/>
-              <a:defRPr sz="1600">
+            <a:lvl3pPr marL="1219170" indent="0">
+              <a:buNone/>
+              <a:defRPr sz="2133">
                 <a:solidFill>
                   <a:schemeClr val="tx1">
                     <a:tint val="75000"/>
@@ -966,9 +991,9 @@
                 </a:solidFill>
               </a:defRPr>
             </a:lvl3pPr>
-            <a:lvl4pPr marL="1371600" indent="0">
-              <a:buNone/>
-              <a:defRPr sz="1400">
+            <a:lvl4pPr marL="1828754" indent="0">
+              <a:buNone/>
+              <a:defRPr sz="1867">
                 <a:solidFill>
                   <a:schemeClr val="tx1">
                     <a:tint val="75000"/>
@@ -976,9 +1001,9 @@
                 </a:solidFill>
               </a:defRPr>
             </a:lvl4pPr>
-            <a:lvl5pPr marL="1828800" indent="0">
-              <a:buNone/>
-              <a:defRPr sz="1400">
+            <a:lvl5pPr marL="2438339" indent="0">
+              <a:buNone/>
+              <a:defRPr sz="1867">
                 <a:solidFill>
                   <a:schemeClr val="tx1">
                     <a:tint val="75000"/>
@@ -986,9 +1011,9 @@
                 </a:solidFill>
               </a:defRPr>
             </a:lvl5pPr>
-            <a:lvl6pPr marL="2286000" indent="0">
-              <a:buNone/>
-              <a:defRPr sz="1400">
+            <a:lvl6pPr marL="3047924" indent="0">
+              <a:buNone/>
+              <a:defRPr sz="1867">
                 <a:solidFill>
                   <a:schemeClr val="tx1">
                     <a:tint val="75000"/>
@@ -996,9 +1021,9 @@
                 </a:solidFill>
               </a:defRPr>
             </a:lvl6pPr>
-            <a:lvl7pPr marL="2743200" indent="0">
-              <a:buNone/>
-              <a:defRPr sz="1400">
+            <a:lvl7pPr marL="3657509" indent="0">
+              <a:buNone/>
+              <a:defRPr sz="1867">
                 <a:solidFill>
                   <a:schemeClr val="tx1">
                     <a:tint val="75000"/>
@@ -1006,9 +1031,9 @@
                 </a:solidFill>
               </a:defRPr>
             </a:lvl7pPr>
-            <a:lvl8pPr marL="3200400" indent="0">
-              <a:buNone/>
-              <a:defRPr sz="1400">
+            <a:lvl8pPr marL="4267093" indent="0">
+              <a:buNone/>
+              <a:defRPr sz="1867">
                 <a:solidFill>
                   <a:schemeClr val="tx1">
                     <a:tint val="75000"/>
@@ -1016,9 +1041,9 @@
                 </a:solidFill>
               </a:defRPr>
             </a:lvl8pPr>
-            <a:lvl9pPr marL="3657600" indent="0">
-              <a:buNone/>
-              <a:defRPr sz="1400">
+            <a:lvl9pPr marL="4876678" indent="0">
+              <a:buNone/>
+              <a:defRPr sz="1867">
                 <a:solidFill>
                   <a:schemeClr val="tx1">
                     <a:tint val="75000"/>
@@ -1030,8 +1055,8 @@
           <a:p>
             <a:pPr lvl="0"/>
             <a:r>
-              <a:rPr lang="zh-TW" altLang="en-US" smtClean="0"/>
-              <a:t>按一下以編輯母片文字樣式</a:t>
+              <a:rPr lang="en-US" altLang="zh-TW" smtClean="0"/>
+              <a:t>Edit Master text styles</a:t>
             </a:r>
           </a:p>
         </p:txBody>
@@ -1053,7 +1078,7 @@
           <a:p>
             <a:fld id="{EE40A0B7-CDAD-46BA-BE6C-EFC19534B14B}" type="datetimeFigureOut">
               <a:rPr lang="zh-TW" altLang="en-US" smtClean="0"/>
-              <a:t>2019/12/7</a:t>
+              <a:t>2022/12/14</a:t>
             </a:fld>
             <a:endParaRPr lang="zh-TW" altLang="en-US"/>
           </a:p>
@@ -1102,6 +1127,11 @@
         </p:txBody>
       </p:sp>
     </p:spTree>
+    <p:extLst>
+      <p:ext uri="{BB962C8B-B14F-4D97-AF65-F5344CB8AC3E}">
+        <p14:creationId xmlns:p14="http://schemas.microsoft.com/office/powerpoint/2010/main" val="3464467594"/>
+      </p:ext>
+    </p:extLst>
   </p:cSld>
   <p:clrMapOvr>
     <a:masterClrMapping/>
@@ -1142,8 +1172,8 @@
           <a:lstStyle/>
           <a:p>
             <a:r>
-              <a:rPr lang="zh-TW" altLang="en-US" smtClean="0"/>
-              <a:t>按一下以編輯母片標題樣式</a:t>
+              <a:rPr lang="en-US" altLang="zh-TW" smtClean="0"/>
+              <a:t>Click to edit Master title style</a:t>
             </a:r>
             <a:endParaRPr lang="zh-TW" altLang="en-US"/>
           </a:p>
@@ -1169,66 +1199,66 @@
           <a:bodyPr/>
           <a:lstStyle>
             <a:lvl1pPr>
-              <a:defRPr sz="2800"/>
+              <a:defRPr sz="3733"/>
             </a:lvl1pPr>
             <a:lvl2pPr>
-              <a:defRPr sz="2400"/>
+              <a:defRPr sz="3200"/>
             </a:lvl2pPr>
             <a:lvl3pPr>
-              <a:defRPr sz="2000"/>
+              <a:defRPr sz="2667"/>
             </a:lvl3pPr>
             <a:lvl4pPr>
-              <a:defRPr sz="1800"/>
+              <a:defRPr sz="2400"/>
             </a:lvl4pPr>
             <a:lvl5pPr>
-              <a:defRPr sz="1800"/>
+              <a:defRPr sz="2400"/>
             </a:lvl5pPr>
             <a:lvl6pPr>
-              <a:defRPr sz="1800"/>
+              <a:defRPr sz="2400"/>
             </a:lvl6pPr>
             <a:lvl7pPr>
-              <a:defRPr sz="1800"/>
+              <a:defRPr sz="2400"/>
             </a:lvl7pPr>
             <a:lvl8pPr>
-              <a:defRPr sz="1800"/>
+              <a:defRPr sz="2400"/>
             </a:lvl8pPr>
             <a:lvl9pPr>
-              <a:defRPr sz="1800"/>
+              <a:defRPr sz="2400"/>
             </a:lvl9pPr>
           </a:lstStyle>
           <a:p>
             <a:pPr lvl="0"/>
             <a:r>
-              <a:rPr lang="zh-TW" altLang="en-US" smtClean="0"/>
-              <a:t>按一下以編輯母片文字樣式</a:t>
+              <a:rPr lang="en-US" altLang="zh-TW" smtClean="0"/>
+              <a:t>Edit Master text styles</a:t>
             </a:r>
           </a:p>
           <a:p>
             <a:pPr lvl="1"/>
             <a:r>
-              <a:rPr lang="zh-TW" altLang="en-US" smtClean="0"/>
-              <a:t>第二層</a:t>
+              <a:rPr lang="en-US" altLang="zh-TW" smtClean="0"/>
+              <a:t>Second level</a:t>
             </a:r>
           </a:p>
           <a:p>
             <a:pPr lvl="2"/>
             <a:r>
-              <a:rPr lang="zh-TW" altLang="en-US" smtClean="0"/>
-              <a:t>第三層</a:t>
+              <a:rPr lang="en-US" altLang="zh-TW" smtClean="0"/>
+              <a:t>Third level</a:t>
             </a:r>
           </a:p>
           <a:p>
             <a:pPr lvl="3"/>
             <a:r>
-              <a:rPr lang="zh-TW" altLang="en-US" smtClean="0"/>
-              <a:t>第四層</a:t>
+              <a:rPr lang="en-US" altLang="zh-TW" smtClean="0"/>
+              <a:t>Fourth level</a:t>
             </a:r>
           </a:p>
           <a:p>
             <a:pPr lvl="4"/>
             <a:r>
-              <a:rPr lang="zh-TW" altLang="en-US" smtClean="0"/>
-              <a:t>第五層</a:t>
+              <a:rPr lang="en-US" altLang="zh-TW" smtClean="0"/>
+              <a:t>Fifth level</a:t>
             </a:r>
             <a:endParaRPr lang="zh-TW" altLang="en-US"/>
           </a:p>
@@ -1254,66 +1284,66 @@
           <a:bodyPr/>
           <a:lstStyle>
             <a:lvl1pPr>
-              <a:defRPr sz="2800"/>
+              <a:defRPr sz="3733"/>
             </a:lvl1pPr>
             <a:lvl2pPr>
-              <a:defRPr sz="2400"/>
+              <a:defRPr sz="3200"/>
             </a:lvl2pPr>
             <a:lvl3pPr>
-              <a:defRPr sz="2000"/>
+              <a:defRPr sz="2667"/>
             </a:lvl3pPr>
             <a:lvl4pPr>
-              <a:defRPr sz="1800"/>
+              <a:defRPr sz="2400"/>
             </a:lvl4pPr>
             <a:lvl5pPr>
-              <a:defRPr sz="1800"/>
+              <a:defRPr sz="2400"/>
             </a:lvl5pPr>
             <a:lvl6pPr>
-              <a:defRPr sz="1800"/>
+              <a:defRPr sz="2400"/>
             </a:lvl6pPr>
             <a:lvl7pPr>
-              <a:defRPr sz="1800"/>
+              <a:defRPr sz="2400"/>
             </a:lvl7pPr>
             <a:lvl8pPr>
-              <a:defRPr sz="1800"/>
+              <a:defRPr sz="2400"/>
             </a:lvl8pPr>
             <a:lvl9pPr>
-              <a:defRPr sz="1800"/>
+              <a:defRPr sz="2400"/>
             </a:lvl9pPr>
           </a:lstStyle>
           <a:p>
             <a:pPr lvl="0"/>
             <a:r>
-              <a:rPr lang="zh-TW" altLang="en-US" smtClean="0"/>
-              <a:t>按一下以編輯母片文字樣式</a:t>
+              <a:rPr lang="en-US" altLang="zh-TW" smtClean="0"/>
+              <a:t>Edit Master text styles</a:t>
             </a:r>
           </a:p>
           <a:p>
             <a:pPr lvl="1"/>
             <a:r>
-              <a:rPr lang="zh-TW" altLang="en-US" smtClean="0"/>
-              <a:t>第二層</a:t>
+              <a:rPr lang="en-US" altLang="zh-TW" smtClean="0"/>
+              <a:t>Second level</a:t>
             </a:r>
           </a:p>
           <a:p>
             <a:pPr lvl="2"/>
             <a:r>
-              <a:rPr lang="zh-TW" altLang="en-US" smtClean="0"/>
-              <a:t>第三層</a:t>
+              <a:rPr lang="en-US" altLang="zh-TW" smtClean="0"/>
+              <a:t>Third level</a:t>
             </a:r>
           </a:p>
           <a:p>
             <a:pPr lvl="3"/>
             <a:r>
-              <a:rPr lang="zh-TW" altLang="en-US" smtClean="0"/>
-              <a:t>第四層</a:t>
+              <a:rPr lang="en-US" altLang="zh-TW" smtClean="0"/>
+              <a:t>Fourth level</a:t>
             </a:r>
           </a:p>
           <a:p>
             <a:pPr lvl="4"/>
             <a:r>
-              <a:rPr lang="zh-TW" altLang="en-US" smtClean="0"/>
-              <a:t>第五層</a:t>
+              <a:rPr lang="en-US" altLang="zh-TW" smtClean="0"/>
+              <a:t>Fifth level</a:t>
             </a:r>
             <a:endParaRPr lang="zh-TW" altLang="en-US"/>
           </a:p>
@@ -1336,7 +1366,7 @@
           <a:p>
             <a:fld id="{EE40A0B7-CDAD-46BA-BE6C-EFC19534B14B}" type="datetimeFigureOut">
               <a:rPr lang="zh-TW" altLang="en-US" smtClean="0"/>
-              <a:t>2019/12/7</a:t>
+              <a:t>2022/12/14</a:t>
             </a:fld>
             <a:endParaRPr lang="zh-TW" altLang="en-US"/>
           </a:p>
@@ -1385,6 +1415,11 @@
         </p:txBody>
       </p:sp>
     </p:spTree>
+    <p:extLst>
+      <p:ext uri="{BB962C8B-B14F-4D97-AF65-F5344CB8AC3E}">
+        <p14:creationId xmlns:p14="http://schemas.microsoft.com/office/powerpoint/2010/main" val="3890963747"/>
+      </p:ext>
+    </p:extLst>
   </p:cSld>
   <p:clrMapOvr>
     <a:masterClrMapping/>
@@ -1429,8 +1464,8 @@
           </a:lstStyle>
           <a:p>
             <a:r>
-              <a:rPr lang="zh-TW" altLang="en-US" smtClean="0"/>
-              <a:t>按一下以編輯母片標題樣式</a:t>
+              <a:rPr lang="en-US" altLang="zh-TW" smtClean="0"/>
+              <a:t>Click to edit Master title style</a:t>
             </a:r>
             <a:endParaRPr lang="zh-TW" altLang="en-US"/>
           </a:p>
@@ -1449,7 +1484,7 @@
         <p:spPr>
           <a:xfrm>
             <a:off x="609600" y="1535113"/>
-            <a:ext cx="5386917" cy="639762"/>
+            <a:ext cx="5386917" cy="639763"/>
           </a:xfrm>
         </p:spPr>
         <p:txBody>
@@ -1457,46 +1492,46 @@
           <a:lstStyle>
             <a:lvl1pPr marL="0" indent="0">
               <a:buNone/>
+              <a:defRPr sz="3200" b="1"/>
+            </a:lvl1pPr>
+            <a:lvl2pPr marL="609585" indent="0">
+              <a:buNone/>
+              <a:defRPr sz="2667" b="1"/>
+            </a:lvl2pPr>
+            <a:lvl3pPr marL="1219170" indent="0">
+              <a:buNone/>
               <a:defRPr sz="2400" b="1"/>
-            </a:lvl1pPr>
-            <a:lvl2pPr marL="457200" indent="0">
-              <a:buNone/>
-              <a:defRPr sz="2000" b="1"/>
-            </a:lvl2pPr>
-            <a:lvl3pPr marL="914400" indent="0">
-              <a:buNone/>
-              <a:defRPr sz="1800" b="1"/>
             </a:lvl3pPr>
-            <a:lvl4pPr marL="1371600" indent="0">
-              <a:buNone/>
-              <a:defRPr sz="1600" b="1"/>
+            <a:lvl4pPr marL="1828754" indent="0">
+              <a:buNone/>
+              <a:defRPr sz="2133" b="1"/>
             </a:lvl4pPr>
-            <a:lvl5pPr marL="1828800" indent="0">
-              <a:buNone/>
-              <a:defRPr sz="1600" b="1"/>
+            <a:lvl5pPr marL="2438339" indent="0">
+              <a:buNone/>
+              <a:defRPr sz="2133" b="1"/>
             </a:lvl5pPr>
-            <a:lvl6pPr marL="2286000" indent="0">
-              <a:buNone/>
-              <a:defRPr sz="1600" b="1"/>
+            <a:lvl6pPr marL="3047924" indent="0">
+              <a:buNone/>
+              <a:defRPr sz="2133" b="1"/>
             </a:lvl6pPr>
-            <a:lvl7pPr marL="2743200" indent="0">
-              <a:buNone/>
-              <a:defRPr sz="1600" b="1"/>
+            <a:lvl7pPr marL="3657509" indent="0">
+              <a:buNone/>
+              <a:defRPr sz="2133" b="1"/>
             </a:lvl7pPr>
-            <a:lvl8pPr marL="3200400" indent="0">
-              <a:buNone/>
-              <a:defRPr sz="1600" b="1"/>
+            <a:lvl8pPr marL="4267093" indent="0">
+              <a:buNone/>
+              <a:defRPr sz="2133" b="1"/>
             </a:lvl8pPr>
-            <a:lvl9pPr marL="3657600" indent="0">
-              <a:buNone/>
-              <a:defRPr sz="1600" b="1"/>
+            <a:lvl9pPr marL="4876678" indent="0">
+              <a:buNone/>
+              <a:defRPr sz="2133" b="1"/>
             </a:lvl9pPr>
           </a:lstStyle>
           <a:p>
             <a:pPr lvl="0"/>
             <a:r>
-              <a:rPr lang="zh-TW" altLang="en-US" smtClean="0"/>
-              <a:t>按一下以編輯母片文字樣式</a:t>
+              <a:rPr lang="en-US" altLang="zh-TW" smtClean="0"/>
+              <a:t>Edit Master text styles</a:t>
             </a:r>
           </a:p>
         </p:txBody>
@@ -1521,66 +1556,66 @@
           <a:bodyPr/>
           <a:lstStyle>
             <a:lvl1pPr>
-              <a:defRPr sz="2400"/>
+              <a:defRPr sz="3200"/>
             </a:lvl1pPr>
             <a:lvl2pPr>
-              <a:defRPr sz="2000"/>
+              <a:defRPr sz="2667"/>
             </a:lvl2pPr>
             <a:lvl3pPr>
-              <a:defRPr sz="1800"/>
+              <a:defRPr sz="2400"/>
             </a:lvl3pPr>
             <a:lvl4pPr>
-              <a:defRPr sz="1600"/>
+              <a:defRPr sz="2133"/>
             </a:lvl4pPr>
             <a:lvl5pPr>
-              <a:defRPr sz="1600"/>
+              <a:defRPr sz="2133"/>
             </a:lvl5pPr>
             <a:lvl6pPr>
-              <a:defRPr sz="1600"/>
+              <a:defRPr sz="2133"/>
             </a:lvl6pPr>
             <a:lvl7pPr>
-              <a:defRPr sz="1600"/>
+              <a:defRPr sz="2133"/>
             </a:lvl7pPr>
             <a:lvl8pPr>
-              <a:defRPr sz="1600"/>
+              <a:defRPr sz="2133"/>
             </a:lvl8pPr>
             <a:lvl9pPr>
-              <a:defRPr sz="1600"/>
+              <a:defRPr sz="2133"/>
             </a:lvl9pPr>
           </a:lstStyle>
           <a:p>
             <a:pPr lvl="0"/>
             <a:r>
-              <a:rPr lang="zh-TW" altLang="en-US" smtClean="0"/>
-              <a:t>按一下以編輯母片文字樣式</a:t>
+              <a:rPr lang="en-US" altLang="zh-TW" smtClean="0"/>
+              <a:t>Edit Master text styles</a:t>
             </a:r>
           </a:p>
           <a:p>
             <a:pPr lvl="1"/>
             <a:r>
-              <a:rPr lang="zh-TW" altLang="en-US" smtClean="0"/>
-              <a:t>第二層</a:t>
+              <a:rPr lang="en-US" altLang="zh-TW" smtClean="0"/>
+              <a:t>Second level</a:t>
             </a:r>
           </a:p>
           <a:p>
             <a:pPr lvl="2"/>
             <a:r>
-              <a:rPr lang="zh-TW" altLang="en-US" smtClean="0"/>
-              <a:t>第三層</a:t>
+              <a:rPr lang="en-US" altLang="zh-TW" smtClean="0"/>
+              <a:t>Third level</a:t>
             </a:r>
           </a:p>
           <a:p>
             <a:pPr lvl="3"/>
             <a:r>
-              <a:rPr lang="zh-TW" altLang="en-US" smtClean="0"/>
-              <a:t>第四層</a:t>
+              <a:rPr lang="en-US" altLang="zh-TW" smtClean="0"/>
+              <a:t>Fourth level</a:t>
             </a:r>
           </a:p>
           <a:p>
             <a:pPr lvl="4"/>
             <a:r>
-              <a:rPr lang="zh-TW" altLang="en-US" smtClean="0"/>
-              <a:t>第五層</a:t>
+              <a:rPr lang="en-US" altLang="zh-TW" smtClean="0"/>
+              <a:t>Fifth level</a:t>
             </a:r>
             <a:endParaRPr lang="zh-TW" altLang="en-US"/>
           </a:p>
@@ -1598,8 +1633,8 @@
         </p:nvSpPr>
         <p:spPr>
           <a:xfrm>
-            <a:off x="6193368" y="1535113"/>
-            <a:ext cx="5389033" cy="639762"/>
+            <a:off x="6193372" y="1535113"/>
+            <a:ext cx="5389033" cy="639763"/>
           </a:xfrm>
         </p:spPr>
         <p:txBody>
@@ -1607,46 +1642,46 @@
           <a:lstStyle>
             <a:lvl1pPr marL="0" indent="0">
               <a:buNone/>
+              <a:defRPr sz="3200" b="1"/>
+            </a:lvl1pPr>
+            <a:lvl2pPr marL="609585" indent="0">
+              <a:buNone/>
+              <a:defRPr sz="2667" b="1"/>
+            </a:lvl2pPr>
+            <a:lvl3pPr marL="1219170" indent="0">
+              <a:buNone/>
               <a:defRPr sz="2400" b="1"/>
-            </a:lvl1pPr>
-            <a:lvl2pPr marL="457200" indent="0">
-              <a:buNone/>
-              <a:defRPr sz="2000" b="1"/>
-            </a:lvl2pPr>
-            <a:lvl3pPr marL="914400" indent="0">
-              <a:buNone/>
-              <a:defRPr sz="1800" b="1"/>
             </a:lvl3pPr>
-            <a:lvl4pPr marL="1371600" indent="0">
-              <a:buNone/>
-              <a:defRPr sz="1600" b="1"/>
+            <a:lvl4pPr marL="1828754" indent="0">
+              <a:buNone/>
+              <a:defRPr sz="2133" b="1"/>
             </a:lvl4pPr>
-            <a:lvl5pPr marL="1828800" indent="0">
-              <a:buNone/>
-              <a:defRPr sz="1600" b="1"/>
+            <a:lvl5pPr marL="2438339" indent="0">
+              <a:buNone/>
+              <a:defRPr sz="2133" b="1"/>
             </a:lvl5pPr>
-            <a:lvl6pPr marL="2286000" indent="0">
-              <a:buNone/>
-              <a:defRPr sz="1600" b="1"/>
+            <a:lvl6pPr marL="3047924" indent="0">
+              <a:buNone/>
+              <a:defRPr sz="2133" b="1"/>
             </a:lvl6pPr>
-            <a:lvl7pPr marL="2743200" indent="0">
-              <a:buNone/>
-              <a:defRPr sz="1600" b="1"/>
+            <a:lvl7pPr marL="3657509" indent="0">
+              <a:buNone/>
+              <a:defRPr sz="2133" b="1"/>
             </a:lvl7pPr>
-            <a:lvl8pPr marL="3200400" indent="0">
-              <a:buNone/>
-              <a:defRPr sz="1600" b="1"/>
+            <a:lvl8pPr marL="4267093" indent="0">
+              <a:buNone/>
+              <a:defRPr sz="2133" b="1"/>
             </a:lvl8pPr>
-            <a:lvl9pPr marL="3657600" indent="0">
-              <a:buNone/>
-              <a:defRPr sz="1600" b="1"/>
+            <a:lvl9pPr marL="4876678" indent="0">
+              <a:buNone/>
+              <a:defRPr sz="2133" b="1"/>
             </a:lvl9pPr>
           </a:lstStyle>
           <a:p>
             <a:pPr lvl="0"/>
             <a:r>
-              <a:rPr lang="zh-TW" altLang="en-US" smtClean="0"/>
-              <a:t>按一下以編輯母片文字樣式</a:t>
+              <a:rPr lang="en-US" altLang="zh-TW" smtClean="0"/>
+              <a:t>Edit Master text styles</a:t>
             </a:r>
           </a:p>
         </p:txBody>
@@ -1663,7 +1698,7 @@
         </p:nvSpPr>
         <p:spPr>
           <a:xfrm>
-            <a:off x="6193368" y="2174875"/>
+            <a:off x="6193372" y="2174875"/>
             <a:ext cx="5389033" cy="3951288"/>
           </a:xfrm>
         </p:spPr>
@@ -1671,66 +1706,66 @@
           <a:bodyPr/>
           <a:lstStyle>
             <a:lvl1pPr>
-              <a:defRPr sz="2400"/>
+              <a:defRPr sz="3200"/>
             </a:lvl1pPr>
             <a:lvl2pPr>
-              <a:defRPr sz="2000"/>
+              <a:defRPr sz="2667"/>
             </a:lvl2pPr>
             <a:lvl3pPr>
-              <a:defRPr sz="1800"/>
+              <a:defRPr sz="2400"/>
             </a:lvl3pPr>
             <a:lvl4pPr>
-              <a:defRPr sz="1600"/>
+              <a:defRPr sz="2133"/>
             </a:lvl4pPr>
             <a:lvl5pPr>
-              <a:defRPr sz="1600"/>
+              <a:defRPr sz="2133"/>
             </a:lvl5pPr>
             <a:lvl6pPr>
-              <a:defRPr sz="1600"/>
+              <a:defRPr sz="2133"/>
             </a:lvl6pPr>
             <a:lvl7pPr>
-              <a:defRPr sz="1600"/>
+              <a:defRPr sz="2133"/>
             </a:lvl7pPr>
             <a:lvl8pPr>
-              <a:defRPr sz="1600"/>
+              <a:defRPr sz="2133"/>
             </a:lvl8pPr>
             <a:lvl9pPr>
-              <a:defRPr sz="1600"/>
+              <a:defRPr sz="2133"/>
             </a:lvl9pPr>
           </a:lstStyle>
           <a:p>
             <a:pPr lvl="0"/>
             <a:r>
-              <a:rPr lang="zh-TW" altLang="en-US" smtClean="0"/>
-              <a:t>按一下以編輯母片文字樣式</a:t>
+              <a:rPr lang="en-US" altLang="zh-TW" smtClean="0"/>
+              <a:t>Edit Master text styles</a:t>
             </a:r>
           </a:p>
           <a:p>
             <a:pPr lvl="1"/>
             <a:r>
-              <a:rPr lang="zh-TW" altLang="en-US" smtClean="0"/>
-              <a:t>第二層</a:t>
+              <a:rPr lang="en-US" altLang="zh-TW" smtClean="0"/>
+              <a:t>Second level</a:t>
             </a:r>
           </a:p>
           <a:p>
             <a:pPr lvl="2"/>
             <a:r>
-              <a:rPr lang="zh-TW" altLang="en-US" smtClean="0"/>
-              <a:t>第三層</a:t>
+              <a:rPr lang="en-US" altLang="zh-TW" smtClean="0"/>
+              <a:t>Third level</a:t>
             </a:r>
           </a:p>
           <a:p>
             <a:pPr lvl="3"/>
             <a:r>
-              <a:rPr lang="zh-TW" altLang="en-US" smtClean="0"/>
-              <a:t>第四層</a:t>
+              <a:rPr lang="en-US" altLang="zh-TW" smtClean="0"/>
+              <a:t>Fourth level</a:t>
             </a:r>
           </a:p>
           <a:p>
             <a:pPr lvl="4"/>
             <a:r>
-              <a:rPr lang="zh-TW" altLang="en-US" smtClean="0"/>
-              <a:t>第五層</a:t>
+              <a:rPr lang="en-US" altLang="zh-TW" smtClean="0"/>
+              <a:t>Fifth level</a:t>
             </a:r>
             <a:endParaRPr lang="zh-TW" altLang="en-US"/>
           </a:p>
@@ -1753,7 +1788,7 @@
           <a:p>
             <a:fld id="{EE40A0B7-CDAD-46BA-BE6C-EFC19534B14B}" type="datetimeFigureOut">
               <a:rPr lang="zh-TW" altLang="en-US" smtClean="0"/>
-              <a:t>2019/12/7</a:t>
+              <a:t>2022/12/14</a:t>
             </a:fld>
             <a:endParaRPr lang="zh-TW" altLang="en-US"/>
           </a:p>
@@ -1802,6 +1837,11 @@
         </p:txBody>
       </p:sp>
     </p:spTree>
+    <p:extLst>
+      <p:ext uri="{BB962C8B-B14F-4D97-AF65-F5344CB8AC3E}">
+        <p14:creationId xmlns:p14="http://schemas.microsoft.com/office/powerpoint/2010/main" val="3606787921"/>
+      </p:ext>
+    </p:extLst>
   </p:cSld>
   <p:clrMapOvr>
     <a:masterClrMapping/>
@@ -1842,8 +1882,8 @@
           <a:lstStyle/>
           <a:p>
             <a:r>
-              <a:rPr lang="zh-TW" altLang="en-US" smtClean="0"/>
-              <a:t>按一下以編輯母片標題樣式</a:t>
+              <a:rPr lang="en-US" altLang="zh-TW" smtClean="0"/>
+              <a:t>Click to edit Master title style</a:t>
             </a:r>
             <a:endParaRPr lang="zh-TW" altLang="en-US"/>
           </a:p>
@@ -1866,7 +1906,7 @@
           <a:p>
             <a:fld id="{EE40A0B7-CDAD-46BA-BE6C-EFC19534B14B}" type="datetimeFigureOut">
               <a:rPr lang="zh-TW" altLang="en-US" smtClean="0"/>
-              <a:t>2019/12/7</a:t>
+              <a:t>2022/12/14</a:t>
             </a:fld>
             <a:endParaRPr lang="zh-TW" altLang="en-US"/>
           </a:p>
@@ -1915,6 +1955,11 @@
         </p:txBody>
       </p:sp>
     </p:spTree>
+    <p:extLst>
+      <p:ext uri="{BB962C8B-B14F-4D97-AF65-F5344CB8AC3E}">
+        <p14:creationId xmlns:p14="http://schemas.microsoft.com/office/powerpoint/2010/main" val="850723558"/>
+      </p:ext>
+    </p:extLst>
   </p:cSld>
   <p:clrMapOvr>
     <a:masterClrMapping/>
@@ -1956,7 +2001,7 @@
           <a:p>
             <a:fld id="{EE40A0B7-CDAD-46BA-BE6C-EFC19534B14B}" type="datetimeFigureOut">
               <a:rPr lang="zh-TW" altLang="en-US" smtClean="0"/>
-              <a:t>2019/12/7</a:t>
+              <a:t>2022/12/14</a:t>
             </a:fld>
             <a:endParaRPr lang="zh-TW" altLang="en-US"/>
           </a:p>
@@ -2005,6 +2050,11 @@
         </p:txBody>
       </p:sp>
     </p:spTree>
+    <p:extLst>
+      <p:ext uri="{BB962C8B-B14F-4D97-AF65-F5344CB8AC3E}">
+        <p14:creationId xmlns:p14="http://schemas.microsoft.com/office/powerpoint/2010/main" val="3134190805"/>
+      </p:ext>
+    </p:extLst>
   </p:cSld>
   <p:clrMapOvr>
     <a:masterClrMapping/>
@@ -2041,21 +2091,21 @@
         </p:nvSpPr>
         <p:spPr>
           <a:xfrm>
-            <a:off x="609601" y="273050"/>
-            <a:ext cx="4011084" cy="1162050"/>
+            <a:off x="609603" y="273049"/>
+            <a:ext cx="4011084" cy="1162051"/>
           </a:xfrm>
         </p:spPr>
         <p:txBody>
           <a:bodyPr anchor="b"/>
           <a:lstStyle>
             <a:lvl1pPr algn="l">
-              <a:defRPr sz="2000" b="1"/>
+              <a:defRPr sz="2667" b="1"/>
             </a:lvl1pPr>
           </a:lstStyle>
           <a:p>
             <a:r>
-              <a:rPr lang="zh-TW" altLang="en-US" smtClean="0"/>
-              <a:t>按一下以編輯母片標題樣式</a:t>
+              <a:rPr lang="en-US" altLang="zh-TW" smtClean="0"/>
+              <a:t>Click to edit Master title style</a:t>
             </a:r>
             <a:endParaRPr lang="zh-TW" altLang="en-US"/>
           </a:p>
@@ -2073,7 +2123,7 @@
         </p:nvSpPr>
         <p:spPr>
           <a:xfrm>
-            <a:off x="4766733" y="273051"/>
+            <a:off x="4766733" y="273053"/>
             <a:ext cx="6815667" cy="5853113"/>
           </a:xfrm>
         </p:spPr>
@@ -2081,66 +2131,66 @@
           <a:bodyPr/>
           <a:lstStyle>
             <a:lvl1pPr>
-              <a:defRPr sz="3200"/>
+              <a:defRPr sz="4267"/>
             </a:lvl1pPr>
             <a:lvl2pPr>
-              <a:defRPr sz="2800"/>
+              <a:defRPr sz="3733"/>
             </a:lvl2pPr>
             <a:lvl3pPr>
-              <a:defRPr sz="2400"/>
+              <a:defRPr sz="3200"/>
             </a:lvl3pPr>
             <a:lvl4pPr>
-              <a:defRPr sz="2000"/>
+              <a:defRPr sz="2667"/>
             </a:lvl4pPr>
             <a:lvl5pPr>
-              <a:defRPr sz="2000"/>
+              <a:defRPr sz="2667"/>
             </a:lvl5pPr>
             <a:lvl6pPr>
-              <a:defRPr sz="2000"/>
+              <a:defRPr sz="2667"/>
             </a:lvl6pPr>
             <a:lvl7pPr>
-              <a:defRPr sz="2000"/>
+              <a:defRPr sz="2667"/>
             </a:lvl7pPr>
             <a:lvl8pPr>
-              <a:defRPr sz="2000"/>
+              <a:defRPr sz="2667"/>
             </a:lvl8pPr>
             <a:lvl9pPr>
-              <a:defRPr sz="2000"/>
+              <a:defRPr sz="2667"/>
             </a:lvl9pPr>
           </a:lstStyle>
           <a:p>
             <a:pPr lvl="0"/>
             <a:r>
-              <a:rPr lang="zh-TW" altLang="en-US" smtClean="0"/>
-              <a:t>按一下以編輯母片文字樣式</a:t>
+              <a:rPr lang="en-US" altLang="zh-TW" smtClean="0"/>
+              <a:t>Edit Master text styles</a:t>
             </a:r>
           </a:p>
           <a:p>
             <a:pPr lvl="1"/>
             <a:r>
-              <a:rPr lang="zh-TW" altLang="en-US" smtClean="0"/>
-              <a:t>第二層</a:t>
+              <a:rPr lang="en-US" altLang="zh-TW" smtClean="0"/>
+              <a:t>Second level</a:t>
             </a:r>
           </a:p>
           <a:p>
             <a:pPr lvl="2"/>
             <a:r>
-              <a:rPr lang="zh-TW" altLang="en-US" smtClean="0"/>
-              <a:t>第三層</a:t>
+              <a:rPr lang="en-US" altLang="zh-TW" smtClean="0"/>
+              <a:t>Third level</a:t>
             </a:r>
           </a:p>
           <a:p>
             <a:pPr lvl="3"/>
             <a:r>
-              <a:rPr lang="zh-TW" altLang="en-US" smtClean="0"/>
-              <a:t>第四層</a:t>
+              <a:rPr lang="en-US" altLang="zh-TW" smtClean="0"/>
+              <a:t>Fourth level</a:t>
             </a:r>
           </a:p>
           <a:p>
             <a:pPr lvl="4"/>
             <a:r>
-              <a:rPr lang="zh-TW" altLang="en-US" smtClean="0"/>
-              <a:t>第五層</a:t>
+              <a:rPr lang="en-US" altLang="zh-TW" smtClean="0"/>
+              <a:t>Fifth level</a:t>
             </a:r>
             <a:endParaRPr lang="zh-TW" altLang="en-US"/>
           </a:p>
@@ -2158,7 +2208,7 @@
         </p:nvSpPr>
         <p:spPr>
           <a:xfrm>
-            <a:off x="609601" y="1435101"/>
+            <a:off x="609603" y="1435103"/>
             <a:ext cx="4011084" cy="4691063"/>
           </a:xfrm>
         </p:spPr>
@@ -2167,46 +2217,46 @@
           <a:lstStyle>
             <a:lvl1pPr marL="0" indent="0">
               <a:buNone/>
-              <a:defRPr sz="1400"/>
+              <a:defRPr sz="1867"/>
             </a:lvl1pPr>
-            <a:lvl2pPr marL="457200" indent="0">
+            <a:lvl2pPr marL="609585" indent="0">
+              <a:buNone/>
+              <a:defRPr sz="1600"/>
+            </a:lvl2pPr>
+            <a:lvl3pPr marL="1219170" indent="0">
+              <a:buNone/>
+              <a:defRPr sz="1333"/>
+            </a:lvl3pPr>
+            <a:lvl4pPr marL="1828754" indent="0">
               <a:buNone/>
               <a:defRPr sz="1200"/>
-            </a:lvl2pPr>
-            <a:lvl3pPr marL="914400" indent="0">
-              <a:buNone/>
-              <a:defRPr sz="1000"/>
-            </a:lvl3pPr>
-            <a:lvl4pPr marL="1371600" indent="0">
-              <a:buNone/>
-              <a:defRPr sz="900"/>
             </a:lvl4pPr>
-            <a:lvl5pPr marL="1828800" indent="0">
-              <a:buNone/>
-              <a:defRPr sz="900"/>
+            <a:lvl5pPr marL="2438339" indent="0">
+              <a:buNone/>
+              <a:defRPr sz="1200"/>
             </a:lvl5pPr>
-            <a:lvl6pPr marL="2286000" indent="0">
-              <a:buNone/>
-              <a:defRPr sz="900"/>
+            <a:lvl6pPr marL="3047924" indent="0">
+              <a:buNone/>
+              <a:defRPr sz="1200"/>
             </a:lvl6pPr>
-            <a:lvl7pPr marL="2743200" indent="0">
-              <a:buNone/>
-              <a:defRPr sz="900"/>
+            <a:lvl7pPr marL="3657509" indent="0">
+              <a:buNone/>
+              <a:defRPr sz="1200"/>
             </a:lvl7pPr>
-            <a:lvl8pPr marL="3200400" indent="0">
-              <a:buNone/>
-              <a:defRPr sz="900"/>
+            <a:lvl8pPr marL="4267093" indent="0">
+              <a:buNone/>
+              <a:defRPr sz="1200"/>
             </a:lvl8pPr>
-            <a:lvl9pPr marL="3657600" indent="0">
-              <a:buNone/>
-              <a:defRPr sz="900"/>
+            <a:lvl9pPr marL="4876678" indent="0">
+              <a:buNone/>
+              <a:defRPr sz="1200"/>
             </a:lvl9pPr>
           </a:lstStyle>
           <a:p>
             <a:pPr lvl="0"/>
             <a:r>
-              <a:rPr lang="zh-TW" altLang="en-US" smtClean="0"/>
-              <a:t>按一下以編輯母片文字樣式</a:t>
+              <a:rPr lang="en-US" altLang="zh-TW" smtClean="0"/>
+              <a:t>Edit Master text styles</a:t>
             </a:r>
           </a:p>
         </p:txBody>
@@ -2228,7 +2278,7 @@
           <a:p>
             <a:fld id="{EE40A0B7-CDAD-46BA-BE6C-EFC19534B14B}" type="datetimeFigureOut">
               <a:rPr lang="zh-TW" altLang="en-US" smtClean="0"/>
-              <a:t>2019/12/7</a:t>
+              <a:t>2022/12/14</a:t>
             </a:fld>
             <a:endParaRPr lang="zh-TW" altLang="en-US"/>
           </a:p>
@@ -2277,6 +2327,11 @@
         </p:txBody>
       </p:sp>
     </p:spTree>
+    <p:extLst>
+      <p:ext uri="{BB962C8B-B14F-4D97-AF65-F5344CB8AC3E}">
+        <p14:creationId xmlns:p14="http://schemas.microsoft.com/office/powerpoint/2010/main" val="415882605"/>
+      </p:ext>
+    </p:extLst>
   </p:cSld>
   <p:clrMapOvr>
     <a:masterClrMapping/>
@@ -2313,21 +2368,21 @@
         </p:nvSpPr>
         <p:spPr>
           <a:xfrm>
-            <a:off x="2389717" y="4800600"/>
-            <a:ext cx="7315200" cy="566738"/>
+            <a:off x="2389717" y="4800601"/>
+            <a:ext cx="7315200" cy="566739"/>
           </a:xfrm>
         </p:spPr>
         <p:txBody>
           <a:bodyPr anchor="b"/>
           <a:lstStyle>
             <a:lvl1pPr algn="l">
-              <a:defRPr sz="2000" b="1"/>
+              <a:defRPr sz="2667" b="1"/>
             </a:lvl1pPr>
           </a:lstStyle>
           <a:p>
             <a:r>
-              <a:rPr lang="zh-TW" altLang="en-US" smtClean="0"/>
-              <a:t>按一下以編輯母片標題樣式</a:t>
+              <a:rPr lang="en-US" altLang="zh-TW" smtClean="0"/>
+              <a:t>Click to edit Master title style</a:t>
             </a:r>
             <a:endParaRPr lang="zh-TW" altLang="en-US"/>
           </a:p>
@@ -2354,42 +2409,46 @@
           <a:lstStyle>
             <a:lvl1pPr marL="0" indent="0">
               <a:buNone/>
+              <a:defRPr sz="4267"/>
+            </a:lvl1pPr>
+            <a:lvl2pPr marL="609585" indent="0">
+              <a:buNone/>
+              <a:defRPr sz="3733"/>
+            </a:lvl2pPr>
+            <a:lvl3pPr marL="1219170" indent="0">
+              <a:buNone/>
               <a:defRPr sz="3200"/>
-            </a:lvl1pPr>
-            <a:lvl2pPr marL="457200" indent="0">
-              <a:buNone/>
-              <a:defRPr sz="2800"/>
-            </a:lvl2pPr>
-            <a:lvl3pPr marL="914400" indent="0">
-              <a:buNone/>
-              <a:defRPr sz="2400"/>
             </a:lvl3pPr>
-            <a:lvl4pPr marL="1371600" indent="0">
-              <a:buNone/>
-              <a:defRPr sz="2000"/>
+            <a:lvl4pPr marL="1828754" indent="0">
+              <a:buNone/>
+              <a:defRPr sz="2667"/>
             </a:lvl4pPr>
-            <a:lvl5pPr marL="1828800" indent="0">
-              <a:buNone/>
-              <a:defRPr sz="2000"/>
+            <a:lvl5pPr marL="2438339" indent="0">
+              <a:buNone/>
+              <a:defRPr sz="2667"/>
             </a:lvl5pPr>
-            <a:lvl6pPr marL="2286000" indent="0">
-              <a:buNone/>
-              <a:defRPr sz="2000"/>
+            <a:lvl6pPr marL="3047924" indent="0">
+              <a:buNone/>
+              <a:defRPr sz="2667"/>
             </a:lvl6pPr>
-            <a:lvl7pPr marL="2743200" indent="0">
-              <a:buNone/>
-              <a:defRPr sz="2000"/>
+            <a:lvl7pPr marL="3657509" indent="0">
+              <a:buNone/>
+              <a:defRPr sz="2667"/>
             </a:lvl7pPr>
-            <a:lvl8pPr marL="3200400" indent="0">
-              <a:buNone/>
-              <a:defRPr sz="2000"/>
+            <a:lvl8pPr marL="4267093" indent="0">
+              <a:buNone/>
+              <a:defRPr sz="2667"/>
             </a:lvl8pPr>
-            <a:lvl9pPr marL="3657600" indent="0">
-              <a:buNone/>
-              <a:defRPr sz="2000"/>
+            <a:lvl9pPr marL="4876678" indent="0">
+              <a:buNone/>
+              <a:defRPr sz="2667"/>
             </a:lvl9pPr>
           </a:lstStyle>
           <a:p>
+            <a:r>
+              <a:rPr lang="en-US" altLang="zh-TW" smtClean="0"/>
+              <a:t>Click icon to add picture</a:t>
+            </a:r>
             <a:endParaRPr lang="zh-TW" altLang="en-US"/>
           </a:p>
         </p:txBody>
@@ -2406,8 +2465,8 @@
         </p:nvSpPr>
         <p:spPr>
           <a:xfrm>
-            <a:off x="2389717" y="5367338"/>
-            <a:ext cx="7315200" cy="804862"/>
+            <a:off x="2389717" y="5367339"/>
+            <a:ext cx="7315200" cy="804863"/>
           </a:xfrm>
         </p:spPr>
         <p:txBody>
@@ -2415,46 +2474,46 @@
           <a:lstStyle>
             <a:lvl1pPr marL="0" indent="0">
               <a:buNone/>
-              <a:defRPr sz="1400"/>
+              <a:defRPr sz="1867"/>
             </a:lvl1pPr>
-            <a:lvl2pPr marL="457200" indent="0">
+            <a:lvl2pPr marL="609585" indent="0">
+              <a:buNone/>
+              <a:defRPr sz="1600"/>
+            </a:lvl2pPr>
+            <a:lvl3pPr marL="1219170" indent="0">
+              <a:buNone/>
+              <a:defRPr sz="1333"/>
+            </a:lvl3pPr>
+            <a:lvl4pPr marL="1828754" indent="0">
               <a:buNone/>
               <a:defRPr sz="1200"/>
-            </a:lvl2pPr>
-            <a:lvl3pPr marL="914400" indent="0">
-              <a:buNone/>
-              <a:defRPr sz="1000"/>
-            </a:lvl3pPr>
-            <a:lvl4pPr marL="1371600" indent="0">
-              <a:buNone/>
-              <a:defRPr sz="900"/>
             </a:lvl4pPr>
-            <a:lvl5pPr marL="1828800" indent="0">
-              <a:buNone/>
-              <a:defRPr sz="900"/>
+            <a:lvl5pPr marL="2438339" indent="0">
+              <a:buNone/>
+              <a:defRPr sz="1200"/>
             </a:lvl5pPr>
-            <a:lvl6pPr marL="2286000" indent="0">
-              <a:buNone/>
-              <a:defRPr sz="900"/>
+            <a:lvl6pPr marL="3047924" indent="0">
+              <a:buNone/>
+              <a:defRPr sz="1200"/>
             </a:lvl6pPr>
-            <a:lvl7pPr marL="2743200" indent="0">
-              <a:buNone/>
-              <a:defRPr sz="900"/>
+            <a:lvl7pPr marL="3657509" indent="0">
+              <a:buNone/>
+              <a:defRPr sz="1200"/>
             </a:lvl7pPr>
-            <a:lvl8pPr marL="3200400" indent="0">
-              <a:buNone/>
-              <a:defRPr sz="900"/>
+            <a:lvl8pPr marL="4267093" indent="0">
+              <a:buNone/>
+              <a:defRPr sz="1200"/>
             </a:lvl8pPr>
-            <a:lvl9pPr marL="3657600" indent="0">
-              <a:buNone/>
-              <a:defRPr sz="900"/>
+            <a:lvl9pPr marL="4876678" indent="0">
+              <a:buNone/>
+              <a:defRPr sz="1200"/>
             </a:lvl9pPr>
           </a:lstStyle>
           <a:p>
             <a:pPr lvl="0"/>
             <a:r>
-              <a:rPr lang="zh-TW" altLang="en-US" smtClean="0"/>
-              <a:t>按一下以編輯母片文字樣式</a:t>
+              <a:rPr lang="en-US" altLang="zh-TW" smtClean="0"/>
+              <a:t>Edit Master text styles</a:t>
             </a:r>
           </a:p>
         </p:txBody>
@@ -2476,7 +2535,7 @@
           <a:p>
             <a:fld id="{EE40A0B7-CDAD-46BA-BE6C-EFC19534B14B}" type="datetimeFigureOut">
               <a:rPr lang="zh-TW" altLang="en-US" smtClean="0"/>
-              <a:t>2019/12/7</a:t>
+              <a:t>2022/12/14</a:t>
             </a:fld>
             <a:endParaRPr lang="zh-TW" altLang="en-US"/>
           </a:p>
@@ -2525,6 +2584,11 @@
         </p:txBody>
       </p:sp>
     </p:spTree>
+    <p:extLst>
+      <p:ext uri="{BB962C8B-B14F-4D97-AF65-F5344CB8AC3E}">
+        <p14:creationId xmlns:p14="http://schemas.microsoft.com/office/powerpoint/2010/main" val="833590255"/>
+      </p:ext>
+    </p:extLst>
   </p:cSld>
   <p:clrMapOvr>
     <a:masterClrMapping/>
@@ -2536,9 +2600,14 @@
 <p:sldMaster xmlns:a="http://schemas.openxmlformats.org/drawingml/2006/main" xmlns:r="http://schemas.openxmlformats.org/officeDocument/2006/relationships" xmlns:p="http://schemas.openxmlformats.org/presentationml/2006/main">
   <p:cSld>
     <p:bg>
-      <p:bgRef idx="1001">
-        <a:schemeClr val="bg1"/>
-      </p:bgRef>
+      <p:bgPr>
+        <a:blipFill dpi="0" rotWithShape="1">
+          <a:blip r:embed="rId13"/>
+          <a:srcRect/>
+          <a:tile tx="0" ty="0" sx="100000" sy="100000" flip="none" algn="tl"/>
+        </a:blipFill>
+        <a:effectLst/>
+      </p:bgPr>
     </p:bg>
     <p:spTree>
       <p:nvGrpSpPr>
@@ -2566,7 +2635,7 @@
         </p:nvSpPr>
         <p:spPr>
           <a:xfrm>
-            <a:off x="609600" y="274638"/>
+            <a:off x="609600" y="274637"/>
             <a:ext cx="10972800" cy="1143000"/>
           </a:xfrm>
           <a:prstGeom prst="rect">
@@ -2661,7 +2730,7 @@
         </p:nvSpPr>
         <p:spPr>
           <a:xfrm>
-            <a:off x="609600" y="6356351"/>
+            <a:off x="609600" y="6356352"/>
             <a:ext cx="2844800" cy="365125"/>
           </a:xfrm>
           <a:prstGeom prst="rect">
@@ -2672,7 +2741,7 @@
           <a:bodyPr vert="horz" lIns="91440" tIns="45720" rIns="91440" bIns="45720" rtlCol="0" anchor="ctr"/>
           <a:lstStyle>
             <a:lvl1pPr algn="l">
-              <a:defRPr sz="1200">
+              <a:defRPr sz="1600">
                 <a:solidFill>
                   <a:schemeClr val="tx1">
                     <a:tint val="75000"/>
@@ -2684,7 +2753,7 @@
           <a:p>
             <a:fld id="{EE40A0B7-CDAD-46BA-BE6C-EFC19534B14B}" type="datetimeFigureOut">
               <a:rPr lang="zh-TW" altLang="en-US" smtClean="0"/>
-              <a:t>2019/12/7</a:t>
+              <a:t>2022/12/14</a:t>
             </a:fld>
             <a:endParaRPr lang="zh-TW" altLang="en-US"/>
           </a:p>
@@ -2702,7 +2771,7 @@
         </p:nvSpPr>
         <p:spPr>
           <a:xfrm>
-            <a:off x="4165600" y="6356351"/>
+            <a:off x="4165600" y="6356352"/>
             <a:ext cx="3860800" cy="365125"/>
           </a:xfrm>
           <a:prstGeom prst="rect">
@@ -2713,7 +2782,7 @@
           <a:bodyPr vert="horz" lIns="91440" tIns="45720" rIns="91440" bIns="45720" rtlCol="0" anchor="ctr"/>
           <a:lstStyle>
             <a:lvl1pPr algn="ctr">
-              <a:defRPr sz="1200">
+              <a:defRPr sz="1600">
                 <a:solidFill>
                   <a:schemeClr val="tx1">
                     <a:tint val="75000"/>
@@ -2739,7 +2808,7 @@
         </p:nvSpPr>
         <p:spPr>
           <a:xfrm>
-            <a:off x="8737600" y="6356351"/>
+            <a:off x="8737600" y="6356352"/>
             <a:ext cx="2844800" cy="365125"/>
           </a:xfrm>
           <a:prstGeom prst="rect">
@@ -2750,7 +2819,7 @@
           <a:bodyPr vert="horz" lIns="91440" tIns="45720" rIns="91440" bIns="45720" rtlCol="0" anchor="ctr"/>
           <a:lstStyle>
             <a:lvl1pPr algn="r">
-              <a:defRPr sz="1200">
+              <a:defRPr sz="1600">
                 <a:solidFill>
                   <a:schemeClr val="tx1">
                     <a:tint val="75000"/>
@@ -2769,29 +2838,34 @@
         </p:txBody>
       </p:sp>
     </p:spTree>
+    <p:extLst>
+      <p:ext uri="{BB962C8B-B14F-4D97-AF65-F5344CB8AC3E}">
+        <p14:creationId xmlns:p14="http://schemas.microsoft.com/office/powerpoint/2010/main" val="1520822045"/>
+      </p:ext>
+    </p:extLst>
   </p:cSld>
   <p:clrMap bg1="lt1" tx1="dk1" bg2="lt2" tx2="dk2" accent1="accent1" accent2="accent2" accent3="accent3" accent4="accent4" accent5="accent5" accent6="accent6" hlink="hlink" folHlink="folHlink"/>
   <p:sldLayoutIdLst>
-    <p:sldLayoutId id="2147483649" r:id="rId1"/>
-    <p:sldLayoutId id="2147483650" r:id="rId2"/>
-    <p:sldLayoutId id="2147483651" r:id="rId3"/>
-    <p:sldLayoutId id="2147483652" r:id="rId4"/>
-    <p:sldLayoutId id="2147483653" r:id="rId5"/>
-    <p:sldLayoutId id="2147483654" r:id="rId6"/>
-    <p:sldLayoutId id="2147483655" r:id="rId7"/>
-    <p:sldLayoutId id="2147483656" r:id="rId8"/>
-    <p:sldLayoutId id="2147483657" r:id="rId9"/>
-    <p:sldLayoutId id="2147483658" r:id="rId10"/>
-    <p:sldLayoutId id="2147483659" r:id="rId11"/>
+    <p:sldLayoutId id="2147483661" r:id="rId1"/>
+    <p:sldLayoutId id="2147483662" r:id="rId2"/>
+    <p:sldLayoutId id="2147483663" r:id="rId3"/>
+    <p:sldLayoutId id="2147483664" r:id="rId4"/>
+    <p:sldLayoutId id="2147483665" r:id="rId5"/>
+    <p:sldLayoutId id="2147483666" r:id="rId6"/>
+    <p:sldLayoutId id="2147483667" r:id="rId7"/>
+    <p:sldLayoutId id="2147483668" r:id="rId8"/>
+    <p:sldLayoutId id="2147483669" r:id="rId9"/>
+    <p:sldLayoutId id="2147483670" r:id="rId10"/>
+    <p:sldLayoutId id="2147483671" r:id="rId11"/>
   </p:sldLayoutIdLst>
   <p:txStyles>
     <p:titleStyle>
-      <a:lvl1pPr algn="ctr" defTabSz="914400" rtl="0" eaLnBrk="1" latinLnBrk="0" hangingPunct="1">
+      <a:lvl1pPr algn="ctr" defTabSz="1219170" rtl="0" eaLnBrk="1" latinLnBrk="0" hangingPunct="1">
         <a:spcBef>
           <a:spcPct val="0"/>
         </a:spcBef>
         <a:buNone/>
-        <a:defRPr sz="4400" kern="1200">
+        <a:defRPr sz="5867" kern="1200">
           <a:solidFill>
             <a:schemeClr val="tx1"/>
           </a:solidFill>
@@ -2802,11 +2876,41 @@
       </a:lvl1pPr>
     </p:titleStyle>
     <p:bodyStyle>
-      <a:lvl1pPr marL="342900" indent="-342900" algn="l" defTabSz="914400" rtl="0" eaLnBrk="1" latinLnBrk="0" hangingPunct="1">
+      <a:lvl1pPr marL="457189" indent="-457189" algn="l" defTabSz="1219170" rtl="0" eaLnBrk="1" latinLnBrk="0" hangingPunct="1">
         <a:spcBef>
           <a:spcPct val="20000"/>
         </a:spcBef>
-        <a:buFont typeface="Arial" pitchFamily="34" charset="0"/>
+        <a:buFont typeface="Arial" panose="02080604020202020204" pitchFamily="34" charset="0"/>
+        <a:buChar char="•"/>
+        <a:defRPr sz="4267" kern="1200">
+          <a:solidFill>
+            <a:schemeClr val="tx1"/>
+          </a:solidFill>
+          <a:latin typeface="+mn-lt"/>
+          <a:ea typeface="+mn-ea"/>
+          <a:cs typeface="+mn-cs"/>
+        </a:defRPr>
+      </a:lvl1pPr>
+      <a:lvl2pPr marL="990575" indent="-380990" algn="l" defTabSz="1219170" rtl="0" eaLnBrk="1" latinLnBrk="0" hangingPunct="1">
+        <a:spcBef>
+          <a:spcPct val="20000"/>
+        </a:spcBef>
+        <a:buFont typeface="Arial" panose="02080604020202020204" pitchFamily="34" charset="0"/>
+        <a:buChar char="–"/>
+        <a:defRPr sz="3733" kern="1200">
+          <a:solidFill>
+            <a:schemeClr val="tx1"/>
+          </a:solidFill>
+          <a:latin typeface="+mn-lt"/>
+          <a:ea typeface="+mn-ea"/>
+          <a:cs typeface="+mn-cs"/>
+        </a:defRPr>
+      </a:lvl2pPr>
+      <a:lvl3pPr marL="1523962" indent="-304792" algn="l" defTabSz="1219170" rtl="0" eaLnBrk="1" latinLnBrk="0" hangingPunct="1">
+        <a:spcBef>
+          <a:spcPct val="20000"/>
+        </a:spcBef>
+        <a:buFont typeface="Arial" panose="02080604020202020204" pitchFamily="34" charset="0"/>
         <a:buChar char="•"/>
         <a:defRPr sz="3200" kern="1200">
           <a:solidFill>
@@ -2816,44 +2920,14 @@
           <a:ea typeface="+mn-ea"/>
           <a:cs typeface="+mn-cs"/>
         </a:defRPr>
-      </a:lvl1pPr>
-      <a:lvl2pPr marL="742950" indent="-285750" algn="l" defTabSz="914400" rtl="0" eaLnBrk="1" latinLnBrk="0" hangingPunct="1">
+      </a:lvl3pPr>
+      <a:lvl4pPr marL="2133547" indent="-304792" algn="l" defTabSz="1219170" rtl="0" eaLnBrk="1" latinLnBrk="0" hangingPunct="1">
         <a:spcBef>
           <a:spcPct val="20000"/>
         </a:spcBef>
-        <a:buFont typeface="Arial" pitchFamily="34" charset="0"/>
+        <a:buFont typeface="Arial" panose="02080604020202020204" pitchFamily="34" charset="0"/>
         <a:buChar char="–"/>
-        <a:defRPr sz="2800" kern="1200">
-          <a:solidFill>
-            <a:schemeClr val="tx1"/>
-          </a:solidFill>
-          <a:latin typeface="+mn-lt"/>
-          <a:ea typeface="+mn-ea"/>
-          <a:cs typeface="+mn-cs"/>
-        </a:defRPr>
-      </a:lvl2pPr>
-      <a:lvl3pPr marL="1143000" indent="-228600" algn="l" defTabSz="914400" rtl="0" eaLnBrk="1" latinLnBrk="0" hangingPunct="1">
-        <a:spcBef>
-          <a:spcPct val="20000"/>
-        </a:spcBef>
-        <a:buFont typeface="Arial" pitchFamily="34" charset="0"/>
-        <a:buChar char="•"/>
-        <a:defRPr sz="2400" kern="1200">
-          <a:solidFill>
-            <a:schemeClr val="tx1"/>
-          </a:solidFill>
-          <a:latin typeface="+mn-lt"/>
-          <a:ea typeface="+mn-ea"/>
-          <a:cs typeface="+mn-cs"/>
-        </a:defRPr>
-      </a:lvl3pPr>
-      <a:lvl4pPr marL="1600200" indent="-228600" algn="l" defTabSz="914400" rtl="0" eaLnBrk="1" latinLnBrk="0" hangingPunct="1">
-        <a:spcBef>
-          <a:spcPct val="20000"/>
-        </a:spcBef>
-        <a:buFont typeface="Arial" pitchFamily="34" charset="0"/>
-        <a:buChar char="–"/>
-        <a:defRPr sz="2000" kern="1200">
+        <a:defRPr sz="2667" kern="1200">
           <a:solidFill>
             <a:schemeClr val="tx1"/>
           </a:solidFill>
@@ -2862,13 +2936,13 @@
           <a:cs typeface="+mn-cs"/>
         </a:defRPr>
       </a:lvl4pPr>
-      <a:lvl5pPr marL="2057400" indent="-228600" algn="l" defTabSz="914400" rtl="0" eaLnBrk="1" latinLnBrk="0" hangingPunct="1">
+      <a:lvl5pPr marL="2743131" indent="-304792" algn="l" defTabSz="1219170" rtl="0" eaLnBrk="1" latinLnBrk="0" hangingPunct="1">
         <a:spcBef>
           <a:spcPct val="20000"/>
         </a:spcBef>
-        <a:buFont typeface="Arial" pitchFamily="34" charset="0"/>
+        <a:buFont typeface="Arial" panose="02080604020202020204" pitchFamily="34" charset="0"/>
         <a:buChar char="»"/>
-        <a:defRPr sz="2000" kern="1200">
+        <a:defRPr sz="2667" kern="1200">
           <a:solidFill>
             <a:schemeClr val="tx1"/>
           </a:solidFill>
@@ -2877,13 +2951,13 @@
           <a:cs typeface="+mn-cs"/>
         </a:defRPr>
       </a:lvl5pPr>
-      <a:lvl6pPr marL="2514600" indent="-228600" algn="l" defTabSz="914400" rtl="0" eaLnBrk="1" latinLnBrk="0" hangingPunct="1">
+      <a:lvl6pPr marL="3352716" indent="-304792" algn="l" defTabSz="1219170" rtl="0" eaLnBrk="1" latinLnBrk="0" hangingPunct="1">
         <a:spcBef>
           <a:spcPct val="20000"/>
         </a:spcBef>
-        <a:buFont typeface="Arial" pitchFamily="34" charset="0"/>
+        <a:buFont typeface="Arial" panose="02080604020202020204" pitchFamily="34" charset="0"/>
         <a:buChar char="•"/>
-        <a:defRPr sz="2000" kern="1200">
+        <a:defRPr sz="2667" kern="1200">
           <a:solidFill>
             <a:schemeClr val="tx1"/>
           </a:solidFill>
@@ -2892,13 +2966,13 @@
           <a:cs typeface="+mn-cs"/>
         </a:defRPr>
       </a:lvl6pPr>
-      <a:lvl7pPr marL="2971800" indent="-228600" algn="l" defTabSz="914400" rtl="0" eaLnBrk="1" latinLnBrk="0" hangingPunct="1">
+      <a:lvl7pPr marL="3962301" indent="-304792" algn="l" defTabSz="1219170" rtl="0" eaLnBrk="1" latinLnBrk="0" hangingPunct="1">
         <a:spcBef>
           <a:spcPct val="20000"/>
         </a:spcBef>
-        <a:buFont typeface="Arial" pitchFamily="34" charset="0"/>
+        <a:buFont typeface="Arial" panose="02080604020202020204" pitchFamily="34" charset="0"/>
         <a:buChar char="•"/>
-        <a:defRPr sz="2000" kern="1200">
+        <a:defRPr sz="2667" kern="1200">
           <a:solidFill>
             <a:schemeClr val="tx1"/>
           </a:solidFill>
@@ -2907,13 +2981,13 @@
           <a:cs typeface="+mn-cs"/>
         </a:defRPr>
       </a:lvl7pPr>
-      <a:lvl8pPr marL="3429000" indent="-228600" algn="l" defTabSz="914400" rtl="0" eaLnBrk="1" latinLnBrk="0" hangingPunct="1">
+      <a:lvl8pPr marL="4571886" indent="-304792" algn="l" defTabSz="1219170" rtl="0" eaLnBrk="1" latinLnBrk="0" hangingPunct="1">
         <a:spcBef>
           <a:spcPct val="20000"/>
         </a:spcBef>
-        <a:buFont typeface="Arial" pitchFamily="34" charset="0"/>
+        <a:buFont typeface="Arial" panose="02080604020202020204" pitchFamily="34" charset="0"/>
         <a:buChar char="•"/>
-        <a:defRPr sz="2000" kern="1200">
+        <a:defRPr sz="2667" kern="1200">
           <a:solidFill>
             <a:schemeClr val="tx1"/>
           </a:solidFill>
@@ -2922,13 +2996,13 @@
           <a:cs typeface="+mn-cs"/>
         </a:defRPr>
       </a:lvl8pPr>
-      <a:lvl9pPr marL="3886200" indent="-228600" algn="l" defTabSz="914400" rtl="0" eaLnBrk="1" latinLnBrk="0" hangingPunct="1">
+      <a:lvl9pPr marL="5181470" indent="-304792" algn="l" defTabSz="1219170" rtl="0" eaLnBrk="1" latinLnBrk="0" hangingPunct="1">
         <a:spcBef>
           <a:spcPct val="20000"/>
         </a:spcBef>
-        <a:buFont typeface="Arial" pitchFamily="34" charset="0"/>
+        <a:buFont typeface="Arial" panose="02080604020202020204" pitchFamily="34" charset="0"/>
         <a:buChar char="•"/>
-        <a:defRPr sz="2000" kern="1200">
+        <a:defRPr sz="2667" kern="1200">
           <a:solidFill>
             <a:schemeClr val="tx1"/>
           </a:solidFill>
@@ -2942,8 +3016,8 @@
       <a:defPPr>
         <a:defRPr lang="zh-TW"/>
       </a:defPPr>
-      <a:lvl1pPr marL="0" algn="l" defTabSz="914400" rtl="0" eaLnBrk="1" latinLnBrk="0" hangingPunct="1">
-        <a:defRPr sz="1800" kern="1200">
+      <a:lvl1pPr marL="0" algn="l" defTabSz="1219170" rtl="0" eaLnBrk="1" latinLnBrk="0" hangingPunct="1">
+        <a:defRPr sz="2400" kern="1200">
           <a:solidFill>
             <a:schemeClr val="tx1"/>
           </a:solidFill>
@@ -2952,8 +3026,8 @@
           <a:cs typeface="+mn-cs"/>
         </a:defRPr>
       </a:lvl1pPr>
-      <a:lvl2pPr marL="457200" algn="l" defTabSz="914400" rtl="0" eaLnBrk="1" latinLnBrk="0" hangingPunct="1">
-        <a:defRPr sz="1800" kern="1200">
+      <a:lvl2pPr marL="609585" algn="l" defTabSz="1219170" rtl="0" eaLnBrk="1" latinLnBrk="0" hangingPunct="1">
+        <a:defRPr sz="2400" kern="1200">
           <a:solidFill>
             <a:schemeClr val="tx1"/>
           </a:solidFill>
@@ -2962,8 +3036,8 @@
           <a:cs typeface="+mn-cs"/>
         </a:defRPr>
       </a:lvl2pPr>
-      <a:lvl3pPr marL="914400" algn="l" defTabSz="914400" rtl="0" eaLnBrk="1" latinLnBrk="0" hangingPunct="1">
-        <a:defRPr sz="1800" kern="1200">
+      <a:lvl3pPr marL="1219170" algn="l" defTabSz="1219170" rtl="0" eaLnBrk="1" latinLnBrk="0" hangingPunct="1">
+        <a:defRPr sz="2400" kern="1200">
           <a:solidFill>
             <a:schemeClr val="tx1"/>
           </a:solidFill>
@@ -2972,8 +3046,8 @@
           <a:cs typeface="+mn-cs"/>
         </a:defRPr>
       </a:lvl3pPr>
-      <a:lvl4pPr marL="1371600" algn="l" defTabSz="914400" rtl="0" eaLnBrk="1" latinLnBrk="0" hangingPunct="1">
-        <a:defRPr sz="1800" kern="1200">
+      <a:lvl4pPr marL="1828754" algn="l" defTabSz="1219170" rtl="0" eaLnBrk="1" latinLnBrk="0" hangingPunct="1">
+        <a:defRPr sz="2400" kern="1200">
           <a:solidFill>
             <a:schemeClr val="tx1"/>
           </a:solidFill>
@@ -2982,8 +3056,8 @@
           <a:cs typeface="+mn-cs"/>
         </a:defRPr>
       </a:lvl4pPr>
-      <a:lvl5pPr marL="1828800" algn="l" defTabSz="914400" rtl="0" eaLnBrk="1" latinLnBrk="0" hangingPunct="1">
-        <a:defRPr sz="1800" kern="1200">
+      <a:lvl5pPr marL="2438339" algn="l" defTabSz="1219170" rtl="0" eaLnBrk="1" latinLnBrk="0" hangingPunct="1">
+        <a:defRPr sz="2400" kern="1200">
           <a:solidFill>
             <a:schemeClr val="tx1"/>
           </a:solidFill>
@@ -2992,8 +3066,8 @@
           <a:cs typeface="+mn-cs"/>
         </a:defRPr>
       </a:lvl5pPr>
-      <a:lvl6pPr marL="2286000" algn="l" defTabSz="914400" rtl="0" eaLnBrk="1" latinLnBrk="0" hangingPunct="1">
-        <a:defRPr sz="1800" kern="1200">
+      <a:lvl6pPr marL="3047924" algn="l" defTabSz="1219170" rtl="0" eaLnBrk="1" latinLnBrk="0" hangingPunct="1">
+        <a:defRPr sz="2400" kern="1200">
           <a:solidFill>
             <a:schemeClr val="tx1"/>
           </a:solidFill>
@@ -3002,8 +3076,8 @@
           <a:cs typeface="+mn-cs"/>
         </a:defRPr>
       </a:lvl6pPr>
-      <a:lvl7pPr marL="2743200" algn="l" defTabSz="914400" rtl="0" eaLnBrk="1" latinLnBrk="0" hangingPunct="1">
-        <a:defRPr sz="1800" kern="1200">
+      <a:lvl7pPr marL="3657509" algn="l" defTabSz="1219170" rtl="0" eaLnBrk="1" latinLnBrk="0" hangingPunct="1">
+        <a:defRPr sz="2400" kern="1200">
           <a:solidFill>
             <a:schemeClr val="tx1"/>
           </a:solidFill>
@@ -3012,8 +3086,8 @@
           <a:cs typeface="+mn-cs"/>
         </a:defRPr>
       </a:lvl7pPr>
-      <a:lvl8pPr marL="3200400" algn="l" defTabSz="914400" rtl="0" eaLnBrk="1" latinLnBrk="0" hangingPunct="1">
-        <a:defRPr sz="1800" kern="1200">
+      <a:lvl8pPr marL="4267093" algn="l" defTabSz="1219170" rtl="0" eaLnBrk="1" latinLnBrk="0" hangingPunct="1">
+        <a:defRPr sz="2400" kern="1200">
           <a:solidFill>
             <a:schemeClr val="tx1"/>
           </a:solidFill>
@@ -3022,8 +3096,8 @@
           <a:cs typeface="+mn-cs"/>
         </a:defRPr>
       </a:lvl8pPr>
-      <a:lvl9pPr marL="3657600" algn="l" defTabSz="914400" rtl="0" eaLnBrk="1" latinLnBrk="0" hangingPunct="1">
-        <a:defRPr sz="1800" kern="1200">
+      <a:lvl9pPr marL="4876678" algn="l" defTabSz="1219170" rtl="0" eaLnBrk="1" latinLnBrk="0" hangingPunct="1">
+        <a:defRPr sz="2400" kern="1200">
           <a:solidFill>
             <a:schemeClr val="tx1"/>
           </a:solidFill>
@@ -3056,7 +3130,7 @@
       </p:grpSpPr>
       <p:sp>
         <p:nvSpPr>
-          <p:cNvPr id="2" name="標題 1"/>
+          <p:cNvPr id="4" name="標題 3"/>
           <p:cNvSpPr>
             <a:spLocks noGrp="1"/>
           </p:cNvSpPr>
@@ -3064,121 +3138,61 @@
             <p:ph type="title"/>
           </p:nvPr>
         </p:nvSpPr>
-        <p:spPr/>
-        <p:txBody>
-          <a:bodyPr/>
-          <a:lstStyle/>
-          <a:p>
-            <a:r>
-              <a:rPr lang="zh-TW" altLang="en-US" b="1" dirty="0">
+        <p:spPr>
+          <a:xfrm>
+            <a:off x="0" y="2660915"/>
+            <a:ext cx="12192000" cy="1143000"/>
+          </a:xfrm>
+        </p:spPr>
+        <p:txBody>
+          <a:bodyPr>
+            <a:noAutofit/>
+          </a:bodyPr>
+          <a:lstStyle/>
+          <a:p>
+            <a:r>
+              <a:rPr lang="zh-TW" altLang="en-US" sz="7200" b="1" i="1" dirty="0" smtClean="0">
+                <a:solidFill>
+                  <a:srgbClr val="660033"/>
+                </a:solidFill>
+                <a:effectLst>
+                  <a:outerShdw blurRad="38100" dist="38100" dir="2700000" algn="tl">
+                    <a:srgbClr val="000000">
+                      <a:alpha val="43137"/>
+                    </a:srgbClr>
+                  </a:outerShdw>
+                </a:effectLst>
                 <a:latin typeface="微軟正黑體" pitchFamily="34" charset="-120"/>
                 <a:ea typeface="微軟正黑體" pitchFamily="34" charset="-120"/>
               </a:rPr>
-              <a:t>最美的禮物</a:t>
-            </a:r>
-          </a:p>
-        </p:txBody>
-      </p:sp>
-      <p:sp>
-        <p:nvSpPr>
-          <p:cNvPr id="3" name="內容版面配置區 2"/>
-          <p:cNvSpPr>
-            <a:spLocks noGrp="1"/>
-          </p:cNvSpPr>
-          <p:nvPr>
-            <p:ph idx="1"/>
-          </p:nvPr>
-        </p:nvSpPr>
-        <p:spPr/>
-        <p:txBody>
-          <a:bodyPr>
-            <a:normAutofit/>
-          </a:bodyPr>
-          <a:lstStyle/>
-          <a:p>
-            <a:pPr algn="ctr">
-              <a:buNone/>
-            </a:pPr>
-            <a:r>
-              <a:rPr lang="zh-TW" altLang="en-US" sz="5400" b="1" dirty="0">
+              <a:t>最</a:t>
+            </a:r>
+            <a:r>
+              <a:rPr lang="zh-TW" altLang="en-US" sz="7200" b="1" i="1" dirty="0">
+                <a:solidFill>
+                  <a:srgbClr val="660033"/>
+                </a:solidFill>
+                <a:effectLst>
+                  <a:outerShdw blurRad="38100" dist="38100" dir="2700000" algn="tl">
+                    <a:srgbClr val="000000">
+                      <a:alpha val="43137"/>
+                    </a:srgbClr>
+                  </a:outerShdw>
+                </a:effectLst>
                 <a:latin typeface="微軟正黑體" pitchFamily="34" charset="-120"/>
                 <a:ea typeface="微軟正黑體" pitchFamily="34" charset="-120"/>
               </a:rPr>
-              <a:t>綠色樹下 堆滿禮物 </a:t>
-            </a:r>
-            <a:endParaRPr lang="en-US" altLang="zh-TW" sz="5400" b="1" dirty="0">
-              <a:latin typeface="微軟正黑體" pitchFamily="34" charset="-120"/>
-              <a:ea typeface="微軟正黑體" pitchFamily="34" charset="-120"/>
-            </a:endParaRPr>
-          </a:p>
-          <a:p>
-            <a:pPr algn="ctr">
-              <a:buNone/>
-            </a:pPr>
-            <a:r>
-              <a:rPr lang="zh-TW" altLang="en-US" sz="5400" b="1" dirty="0">
-                <a:latin typeface="微軟正黑體" pitchFamily="34" charset="-120"/>
-                <a:ea typeface="微軟正黑體" pitchFamily="34" charset="-120"/>
-              </a:rPr>
-              <a:t>彩色</a:t>
-            </a:r>
-            <a:r>
-              <a:rPr lang="zh-TW" altLang="en-US" sz="5400" b="1" dirty="0">
-                <a:latin typeface="微軟正黑體" pitchFamily="34" charset="-120"/>
-                <a:ea typeface="微軟正黑體" pitchFamily="34" charset="-120"/>
-              </a:rPr>
-              <a:t>卡片 圍繞火爐 </a:t>
-            </a:r>
-            <a:endParaRPr lang="en-US" altLang="zh-TW" sz="5400" b="1" dirty="0">
-              <a:latin typeface="微軟正黑體" pitchFamily="34" charset="-120"/>
-              <a:ea typeface="微軟正黑體" pitchFamily="34" charset="-120"/>
-            </a:endParaRPr>
-          </a:p>
-          <a:p>
-            <a:pPr algn="ctr">
-              <a:buNone/>
-            </a:pPr>
-            <a:r>
-              <a:rPr lang="zh-TW" altLang="en-US" sz="5400" b="1" dirty="0">
-                <a:latin typeface="微軟正黑體" pitchFamily="34" charset="-120"/>
-                <a:ea typeface="微軟正黑體" pitchFamily="34" charset="-120"/>
-              </a:rPr>
-              <a:t>笑容</a:t>
-            </a:r>
-            <a:r>
-              <a:rPr lang="zh-TW" altLang="en-US" sz="5400" b="1" dirty="0">
-                <a:latin typeface="微軟正黑體" pitchFamily="34" charset="-120"/>
-                <a:ea typeface="微軟正黑體" pitchFamily="34" charset="-120"/>
-              </a:rPr>
-              <a:t>在人們的臉上流露 </a:t>
-            </a:r>
-            <a:endParaRPr lang="en-US" altLang="zh-TW" sz="5400" b="1" dirty="0">
-              <a:latin typeface="微軟正黑體" pitchFamily="34" charset="-120"/>
-              <a:ea typeface="微軟正黑體" pitchFamily="34" charset="-120"/>
-            </a:endParaRPr>
-          </a:p>
-          <a:p>
-            <a:pPr algn="ctr">
-              <a:buNone/>
-            </a:pPr>
-            <a:r>
-              <a:rPr lang="zh-TW" altLang="en-US" sz="5400" b="1" dirty="0">
-                <a:latin typeface="微軟正黑體" pitchFamily="34" charset="-120"/>
-                <a:ea typeface="微軟正黑體" pitchFamily="34" charset="-120"/>
-              </a:rPr>
-              <a:t>喜樂</a:t>
-            </a:r>
-            <a:r>
-              <a:rPr lang="zh-TW" altLang="en-US" sz="5400" b="1" dirty="0">
-                <a:latin typeface="微軟正黑體" pitchFamily="34" charset="-120"/>
-                <a:ea typeface="微軟正黑體" pitchFamily="34" charset="-120"/>
-              </a:rPr>
-              <a:t>從音符滑出 </a:t>
+              <a:t>美的禮物</a:t>
             </a:r>
           </a:p>
         </p:txBody>
       </p:sp>
     </p:spTree>
+    <p:extLst>
+      <p:ext uri="{BB962C8B-B14F-4D97-AF65-F5344CB8AC3E}">
+        <p14:creationId xmlns:p14="http://schemas.microsoft.com/office/powerpoint/2010/main" val="2666226782"/>
+      </p:ext>
+    </p:extLst>
   </p:cSld>
   <p:clrMapOvr>
     <a:masterClrMapping/>
@@ -3205,62 +3219,53 @@
       </p:grpSpPr>
       <p:sp>
         <p:nvSpPr>
-          <p:cNvPr id="2" name="標題 1"/>
-          <p:cNvSpPr>
-            <a:spLocks noGrp="1"/>
-          </p:cNvSpPr>
-          <p:nvPr>
-            <p:ph type="title"/>
-          </p:nvPr>
-        </p:nvSpPr>
-        <p:spPr/>
-        <p:txBody>
-          <a:bodyPr/>
-          <a:lstStyle/>
-          <a:p>
-            <a:r>
-              <a:rPr lang="zh-TW" altLang="en-US" b="1" dirty="0">
+          <p:cNvPr id="5" name="內容版面配置區 4"/>
+          <p:cNvSpPr>
+            <a:spLocks noGrp="1"/>
+          </p:cNvSpPr>
+          <p:nvPr>
+            <p:ph idx="1"/>
+          </p:nvPr>
+        </p:nvSpPr>
+        <p:spPr>
+          <a:xfrm>
+            <a:off x="0" y="2084851"/>
+            <a:ext cx="12192000" cy="2404863"/>
+          </a:xfrm>
+        </p:spPr>
+        <p:txBody>
+          <a:bodyPr anchor="ctr">
+            <a:normAutofit/>
+          </a:bodyPr>
+          <a:lstStyle/>
+          <a:p>
+            <a:pPr algn="ctr">
+              <a:buNone/>
+            </a:pPr>
+            <a:r>
+              <a:rPr lang="zh-TW" altLang="en-US" sz="6400" b="1" dirty="0" smtClean="0">
+                <a:solidFill>
+                  <a:srgbClr val="660033"/>
+                </a:solidFill>
                 <a:latin typeface="微軟正黑體" pitchFamily="34" charset="-120"/>
                 <a:ea typeface="微軟正黑體" pitchFamily="34" charset="-120"/>
               </a:rPr>
-              <a:t>最美的禮物</a:t>
-            </a:r>
-          </a:p>
-        </p:txBody>
-      </p:sp>
-      <p:sp>
-        <p:nvSpPr>
-          <p:cNvPr id="3" name="內容版面配置區 2"/>
-          <p:cNvSpPr>
-            <a:spLocks noGrp="1"/>
-          </p:cNvSpPr>
-          <p:nvPr>
-            <p:ph idx="1"/>
-          </p:nvPr>
-        </p:nvSpPr>
-        <p:spPr>
-          <a:xfrm>
-            <a:off x="1981200" y="1600200"/>
-            <a:ext cx="8229600" cy="5257800"/>
-          </a:xfrm>
-        </p:spPr>
-        <p:txBody>
-          <a:bodyPr>
-            <a:normAutofit/>
-          </a:bodyPr>
-          <a:lstStyle/>
-          <a:p>
-            <a:pPr algn="ctr">
-              <a:buNone/>
-            </a:pPr>
-            <a:r>
-              <a:rPr lang="zh-TW" altLang="en-US" sz="5400" b="1" dirty="0">
+              <a:t>綠</a:t>
+            </a:r>
+            <a:r>
+              <a:rPr lang="zh-TW" altLang="en-US" sz="6400" b="1" dirty="0">
+                <a:solidFill>
+                  <a:srgbClr val="660033"/>
+                </a:solidFill>
                 <a:latin typeface="微軟正黑體" pitchFamily="34" charset="-120"/>
                 <a:ea typeface="微軟正黑體" pitchFamily="34" charset="-120"/>
               </a:rPr>
-              <a:t>愛我們的 阿爸天父 </a:t>
-            </a:r>
-            <a:endParaRPr lang="en-US" altLang="zh-TW" sz="5400" b="1" dirty="0">
+              <a:t>色樹下 堆滿禮物 </a:t>
+            </a:r>
+            <a:endParaRPr lang="en-US" altLang="zh-TW" sz="6400" b="1" dirty="0">
+              <a:solidFill>
+                <a:srgbClr val="660033"/>
+              </a:solidFill>
               <a:latin typeface="微軟正黑體" pitchFamily="34" charset="-120"/>
               <a:ea typeface="微軟正黑體" pitchFamily="34" charset="-120"/>
             </a:endParaRPr>
@@ -3270,64 +3275,93 @@
               <a:buNone/>
             </a:pPr>
             <a:r>
-              <a:rPr lang="zh-TW" altLang="en-US" sz="5400" b="1" dirty="0">
+              <a:rPr lang="zh-TW" altLang="en-US" sz="6400" b="1" dirty="0">
+                <a:solidFill>
+                  <a:srgbClr val="660033"/>
+                </a:solidFill>
                 <a:latin typeface="微軟正黑體" pitchFamily="34" charset="-120"/>
                 <a:ea typeface="微軟正黑體" pitchFamily="34" charset="-120"/>
               </a:rPr>
-              <a:t>差遣愛子為寶貴救贖 </a:t>
-            </a:r>
-            <a:endParaRPr lang="en-US" altLang="zh-TW" sz="5400" b="1" dirty="0">
+              <a:t>彩色卡片 圍繞火爐 </a:t>
+            </a:r>
+            <a:endParaRPr lang="en-US" altLang="zh-TW" sz="6400" b="1" dirty="0">
+              <a:solidFill>
+                <a:srgbClr val="660033"/>
+              </a:solidFill>
               <a:latin typeface="微軟正黑體" pitchFamily="34" charset="-120"/>
               <a:ea typeface="微軟正黑體" pitchFamily="34" charset="-120"/>
             </a:endParaRPr>
           </a:p>
-          <a:p>
-            <a:pPr algn="ctr">
-              <a:buNone/>
-            </a:pPr>
-            <a:r>
-              <a:rPr lang="zh-TW" altLang="en-US" sz="5400" b="1" dirty="0">
-                <a:latin typeface="微軟正黑體" pitchFamily="34" charset="-120"/>
-                <a:ea typeface="微軟正黑體" pitchFamily="34" charset="-120"/>
-              </a:rPr>
-              <a:t>祂的降臨揭開了 </a:t>
-            </a:r>
-            <a:endParaRPr lang="en-US" altLang="zh-TW" sz="5400" b="1" dirty="0">
-              <a:latin typeface="微軟正黑體" pitchFamily="34" charset="-120"/>
-              <a:ea typeface="微軟正黑體" pitchFamily="34" charset="-120"/>
+        </p:txBody>
+      </p:sp>
+      <p:sp>
+        <p:nvSpPr>
+          <p:cNvPr id="3" name="TextBox 2"/>
+          <p:cNvSpPr txBox="1"/>
+          <p:nvPr/>
+        </p:nvSpPr>
+        <p:spPr>
+          <a:xfrm>
+            <a:off x="0" y="5157192"/>
+            <a:ext cx="12192000" cy="707886"/>
+          </a:xfrm>
+          <a:prstGeom prst="rect">
+            <a:avLst/>
+          </a:prstGeom>
+          <a:noFill/>
+        </p:spPr>
+        <p:txBody>
+          <a:bodyPr wrap="square" rtlCol="0">
+            <a:spAutoFit/>
+          </a:bodyPr>
+          <a:lstStyle/>
+          <a:p>
+            <a:pPr algn="ctr"/>
+            <a:r>
+              <a:rPr lang="en-US" sz="4000" b="1" dirty="0">
+                <a:solidFill>
+                  <a:srgbClr val="660033"/>
+                </a:solidFill>
+                <a:latin typeface="Microsoft JhengHei" panose="020B0604030504040204" pitchFamily="34" charset="-120"/>
+                <a:ea typeface="Microsoft JhengHei" panose="020B0604030504040204" pitchFamily="34" charset="-120"/>
+              </a:rPr>
+              <a:t>( </a:t>
+            </a:r>
+            <a:r>
+              <a:rPr lang="zh-CN" altLang="en-US" sz="4000" b="1" dirty="0">
+                <a:solidFill>
+                  <a:srgbClr val="660033"/>
+                </a:solidFill>
+                <a:latin typeface="Microsoft JhengHei" panose="020B0604030504040204" pitchFamily="34" charset="-120"/>
+                <a:ea typeface="Microsoft JhengHei" panose="020B0604030504040204" pitchFamily="34" charset="-120"/>
+              </a:rPr>
+              <a:t>正</a:t>
+            </a:r>
+            <a:r>
+              <a:rPr lang="en-US" sz="4000" b="1" dirty="0">
+                <a:solidFill>
+                  <a:srgbClr val="660033"/>
+                </a:solidFill>
+                <a:latin typeface="Microsoft JhengHei" panose="020B0604030504040204" pitchFamily="34" charset="-120"/>
+                <a:ea typeface="Microsoft JhengHei" panose="020B0604030504040204" pitchFamily="34" charset="-120"/>
+              </a:rPr>
+              <a:t> )</a:t>
+            </a:r>
+            <a:endParaRPr lang="vi-VN" sz="4000" b="1" dirty="0">
+              <a:solidFill>
+                <a:srgbClr val="660033"/>
+              </a:solidFill>
+              <a:ea typeface="Microsoft JhengHei" panose="020B0604030504040204" pitchFamily="34" charset="-120"/>
             </a:endParaRPr>
           </a:p>
-          <a:p>
-            <a:pPr algn="ctr">
-              <a:buNone/>
-            </a:pPr>
-            <a:r>
-              <a:rPr lang="zh-TW" altLang="en-US" sz="5400" b="1" dirty="0">
-                <a:latin typeface="微軟正黑體" pitchFamily="34" charset="-120"/>
-                <a:ea typeface="微軟正黑體" pitchFamily="34" charset="-120"/>
-              </a:rPr>
-              <a:t>救恩的序幕 </a:t>
-            </a:r>
-            <a:endParaRPr lang="en-US" altLang="zh-TW" sz="5400" b="1" dirty="0">
-              <a:latin typeface="微軟正黑體" pitchFamily="34" charset="-120"/>
-              <a:ea typeface="微軟正黑體" pitchFamily="34" charset="-120"/>
-            </a:endParaRPr>
-          </a:p>
-          <a:p>
-            <a:pPr algn="ctr">
-              <a:buNone/>
-            </a:pPr>
-            <a:r>
-              <a:rPr lang="zh-TW" altLang="en-US" sz="5400" b="1" dirty="0">
-                <a:latin typeface="微軟正黑體" pitchFamily="34" charset="-120"/>
-                <a:ea typeface="微軟正黑體" pitchFamily="34" charset="-120"/>
-              </a:rPr>
-              <a:t>就是主耶穌基督</a:t>
-            </a:r>
-          </a:p>
         </p:txBody>
       </p:sp>
     </p:spTree>
+    <p:extLst>
+      <p:ext uri="{BB962C8B-B14F-4D97-AF65-F5344CB8AC3E}">
+        <p14:creationId xmlns:p14="http://schemas.microsoft.com/office/powerpoint/2010/main" val="1460571810"/>
+      </p:ext>
+    </p:extLst>
   </p:cSld>
   <p:clrMapOvr>
     <a:masterClrMapping/>
@@ -3354,62 +3388,43 @@
       </p:grpSpPr>
       <p:sp>
         <p:nvSpPr>
-          <p:cNvPr id="2" name="標題 1"/>
-          <p:cNvSpPr>
-            <a:spLocks noGrp="1"/>
-          </p:cNvSpPr>
-          <p:nvPr>
-            <p:ph type="title"/>
-          </p:nvPr>
-        </p:nvSpPr>
-        <p:spPr/>
-        <p:txBody>
-          <a:bodyPr/>
-          <a:lstStyle/>
-          <a:p>
-            <a:r>
-              <a:rPr lang="zh-TW" altLang="en-US" b="1" dirty="0">
+          <p:cNvPr id="5" name="內容版面配置區 4"/>
+          <p:cNvSpPr>
+            <a:spLocks noGrp="1"/>
+          </p:cNvSpPr>
+          <p:nvPr>
+            <p:ph idx="1"/>
+          </p:nvPr>
+        </p:nvSpPr>
+        <p:spPr>
+          <a:xfrm>
+            <a:off x="0" y="2084851"/>
+            <a:ext cx="12192000" cy="2404863"/>
+          </a:xfrm>
+        </p:spPr>
+        <p:txBody>
+          <a:bodyPr anchor="ctr">
+            <a:normAutofit/>
+          </a:bodyPr>
+          <a:lstStyle/>
+          <a:p>
+            <a:pPr algn="ctr">
+              <a:buNone/>
+            </a:pPr>
+            <a:r>
+              <a:rPr lang="zh-TW" altLang="en-US" sz="6400" b="1" dirty="0">
+                <a:solidFill>
+                  <a:srgbClr val="660033"/>
+                </a:solidFill>
                 <a:latin typeface="微軟正黑體" pitchFamily="34" charset="-120"/>
                 <a:ea typeface="微軟正黑體" pitchFamily="34" charset="-120"/>
               </a:rPr>
-              <a:t>最美的禮物</a:t>
-            </a:r>
-          </a:p>
-        </p:txBody>
-      </p:sp>
-      <p:sp>
-        <p:nvSpPr>
-          <p:cNvPr id="3" name="內容版面配置區 2"/>
-          <p:cNvSpPr>
-            <a:spLocks noGrp="1"/>
-          </p:cNvSpPr>
-          <p:nvPr>
-            <p:ph idx="1"/>
-          </p:nvPr>
-        </p:nvSpPr>
-        <p:spPr>
-          <a:xfrm>
-            <a:off x="1981200" y="1600200"/>
-            <a:ext cx="8229600" cy="5257800"/>
-          </a:xfrm>
-        </p:spPr>
-        <p:txBody>
-          <a:bodyPr>
-            <a:normAutofit/>
-          </a:bodyPr>
-          <a:lstStyle/>
-          <a:p>
-            <a:pPr algn="ctr">
-              <a:buNone/>
-            </a:pPr>
-            <a:r>
-              <a:rPr lang="zh-TW" altLang="en-US" sz="5400" b="1" dirty="0">
-                <a:latin typeface="微軟正黑體" pitchFamily="34" charset="-120"/>
-                <a:ea typeface="微軟正黑體" pitchFamily="34" charset="-120"/>
-              </a:rPr>
-              <a:t>叮叮噹 叮叮噹 </a:t>
-            </a:r>
-            <a:endParaRPr lang="en-US" altLang="zh-TW" sz="5400" b="1" dirty="0">
+              <a:t>笑容在人們的臉上流露 </a:t>
+            </a:r>
+            <a:endParaRPr lang="en-US" altLang="zh-TW" sz="6400" b="1" dirty="0">
+              <a:solidFill>
+                <a:srgbClr val="660033"/>
+              </a:solidFill>
               <a:latin typeface="微軟正黑體" pitchFamily="34" charset="-120"/>
               <a:ea typeface="微軟正黑體" pitchFamily="34" charset="-120"/>
             </a:endParaRPr>
@@ -3419,48 +3434,86 @@
               <a:buNone/>
             </a:pPr>
             <a:r>
-              <a:rPr lang="zh-TW" altLang="en-US" sz="5400" b="1" dirty="0">
+              <a:rPr lang="zh-TW" altLang="en-US" sz="6400" b="1" dirty="0">
+                <a:solidFill>
+                  <a:srgbClr val="660033"/>
+                </a:solidFill>
                 <a:latin typeface="微軟正黑體" pitchFamily="34" charset="-120"/>
                 <a:ea typeface="微軟正黑體" pitchFamily="34" charset="-120"/>
               </a:rPr>
-              <a:t>鈴聲多響亮 </a:t>
-            </a:r>
-            <a:endParaRPr lang="en-US" altLang="zh-TW" sz="5400" b="1" dirty="0">
-              <a:latin typeface="微軟正黑體" pitchFamily="34" charset="-120"/>
-              <a:ea typeface="微軟正黑體" pitchFamily="34" charset="-120"/>
+              <a:t>喜樂從音符滑出 </a:t>
+            </a:r>
+          </a:p>
+        </p:txBody>
+      </p:sp>
+      <p:sp>
+        <p:nvSpPr>
+          <p:cNvPr id="3" name="TextBox 2"/>
+          <p:cNvSpPr txBox="1"/>
+          <p:nvPr/>
+        </p:nvSpPr>
+        <p:spPr>
+          <a:xfrm>
+            <a:off x="0" y="5157192"/>
+            <a:ext cx="12192000" cy="707886"/>
+          </a:xfrm>
+          <a:prstGeom prst="rect">
+            <a:avLst/>
+          </a:prstGeom>
+          <a:noFill/>
+        </p:spPr>
+        <p:txBody>
+          <a:bodyPr wrap="square" rtlCol="0">
+            <a:spAutoFit/>
+          </a:bodyPr>
+          <a:lstStyle/>
+          <a:p>
+            <a:pPr algn="ctr"/>
+            <a:r>
+              <a:rPr lang="en-US" sz="4000" b="1" dirty="0">
+                <a:solidFill>
+                  <a:srgbClr val="660033"/>
+                </a:solidFill>
+                <a:latin typeface="Microsoft JhengHei" panose="020B0604030504040204" pitchFamily="34" charset="-120"/>
+                <a:ea typeface="Microsoft JhengHei" panose="020B0604030504040204" pitchFamily="34" charset="-120"/>
+              </a:rPr>
+              <a:t>( </a:t>
+            </a:r>
+            <a:r>
+              <a:rPr lang="zh-CN" altLang="en-US" sz="4000" b="1" dirty="0">
+                <a:solidFill>
+                  <a:srgbClr val="660033"/>
+                </a:solidFill>
+                <a:latin typeface="Microsoft JhengHei" panose="020B0604030504040204" pitchFamily="34" charset="-120"/>
+                <a:ea typeface="Microsoft JhengHei" panose="020B0604030504040204" pitchFamily="34" charset="-120"/>
+              </a:rPr>
+              <a:t>正</a:t>
+            </a:r>
+            <a:r>
+              <a:rPr lang="en-US" sz="4000" b="1" dirty="0">
+                <a:solidFill>
+                  <a:srgbClr val="660033"/>
+                </a:solidFill>
+                <a:latin typeface="Microsoft JhengHei" panose="020B0604030504040204" pitchFamily="34" charset="-120"/>
+                <a:ea typeface="Microsoft JhengHei" panose="020B0604030504040204" pitchFamily="34" charset="-120"/>
+              </a:rPr>
+              <a:t> )</a:t>
+            </a:r>
+            <a:endParaRPr lang="vi-VN" sz="4000" b="1" dirty="0">
+              <a:solidFill>
+                <a:srgbClr val="660033"/>
+              </a:solidFill>
+              <a:ea typeface="Microsoft JhengHei" panose="020B0604030504040204" pitchFamily="34" charset="-120"/>
             </a:endParaRPr>
           </a:p>
-          <a:p>
-            <a:pPr algn="ctr">
-              <a:buNone/>
-            </a:pPr>
-            <a:r>
-              <a:rPr lang="zh-TW" altLang="en-US" sz="5400" b="1" dirty="0">
-                <a:latin typeface="微軟正黑體" pitchFamily="34" charset="-120"/>
-                <a:ea typeface="微軟正黑體" pitchFamily="34" charset="-120"/>
-              </a:rPr>
-              <a:t>在這閃爍的光彩之中 </a:t>
-            </a:r>
-            <a:endParaRPr lang="en-US" altLang="zh-TW" sz="5400" b="1" dirty="0">
-              <a:latin typeface="微軟正黑體" pitchFamily="34" charset="-120"/>
-              <a:ea typeface="微軟正黑體" pitchFamily="34" charset="-120"/>
-            </a:endParaRPr>
-          </a:p>
-          <a:p>
-            <a:pPr algn="ctr">
-              <a:buNone/>
-            </a:pPr>
-            <a:r>
-              <a:rPr lang="zh-TW" altLang="en-US" sz="5400" b="1" dirty="0">
-                <a:latin typeface="微軟正黑體" pitchFamily="34" charset="-120"/>
-                <a:ea typeface="微軟正黑體" pitchFamily="34" charset="-120"/>
-              </a:rPr>
-              <a:t>我心不住歌頌 </a:t>
-            </a:r>
-          </a:p>
         </p:txBody>
       </p:sp>
     </p:spTree>
+    <p:extLst>
+      <p:ext uri="{BB962C8B-B14F-4D97-AF65-F5344CB8AC3E}">
+        <p14:creationId xmlns:p14="http://schemas.microsoft.com/office/powerpoint/2010/main" val="699022819"/>
+      </p:ext>
+    </p:extLst>
   </p:cSld>
   <p:clrMapOvr>
     <a:masterClrMapping/>
@@ -3487,62 +3540,63 @@
       </p:grpSpPr>
       <p:sp>
         <p:nvSpPr>
-          <p:cNvPr id="2" name="標題 1"/>
-          <p:cNvSpPr>
-            <a:spLocks noGrp="1"/>
-          </p:cNvSpPr>
-          <p:nvPr>
-            <p:ph type="title"/>
-          </p:nvPr>
-        </p:nvSpPr>
-        <p:spPr/>
-        <p:txBody>
-          <a:bodyPr/>
-          <a:lstStyle/>
-          <a:p>
-            <a:r>
-              <a:rPr lang="zh-TW" altLang="en-US" b="1" dirty="0">
+          <p:cNvPr id="5" name="內容版面配置區 4"/>
+          <p:cNvSpPr>
+            <a:spLocks noGrp="1"/>
+          </p:cNvSpPr>
+          <p:nvPr>
+            <p:ph idx="1"/>
+          </p:nvPr>
+        </p:nvSpPr>
+        <p:spPr>
+          <a:xfrm>
+            <a:off x="0" y="2084851"/>
+            <a:ext cx="12192000" cy="2404863"/>
+          </a:xfrm>
+        </p:spPr>
+        <p:txBody>
+          <a:bodyPr anchor="ctr">
+            <a:normAutofit/>
+          </a:bodyPr>
+          <a:lstStyle/>
+          <a:p>
+            <a:pPr algn="ctr">
+              <a:buNone/>
+            </a:pPr>
+            <a:r>
+              <a:rPr lang="zh-TW" altLang="en-US" sz="6400" b="1" dirty="0">
+                <a:solidFill>
+                  <a:srgbClr val="660033"/>
+                </a:solidFill>
                 <a:latin typeface="微軟正黑體" pitchFamily="34" charset="-120"/>
                 <a:ea typeface="微軟正黑體" pitchFamily="34" charset="-120"/>
               </a:rPr>
-              <a:t>最美的禮物</a:t>
-            </a:r>
-          </a:p>
-        </p:txBody>
-      </p:sp>
-      <p:sp>
-        <p:nvSpPr>
-          <p:cNvPr id="3" name="內容版面配置區 2"/>
-          <p:cNvSpPr>
-            <a:spLocks noGrp="1"/>
-          </p:cNvSpPr>
-          <p:nvPr>
-            <p:ph idx="1"/>
-          </p:nvPr>
-        </p:nvSpPr>
-        <p:spPr>
-          <a:xfrm>
-            <a:off x="1981200" y="1600200"/>
-            <a:ext cx="8229600" cy="5257800"/>
-          </a:xfrm>
-        </p:spPr>
-        <p:txBody>
-          <a:bodyPr>
-            <a:normAutofit/>
-          </a:bodyPr>
-          <a:lstStyle/>
-          <a:p>
-            <a:pPr algn="ctr">
-              <a:buNone/>
-            </a:pPr>
-            <a:r>
-              <a:rPr lang="zh-TW" altLang="en-US" sz="5400" b="1" dirty="0">
+              <a:t>愛我們</a:t>
+            </a:r>
+            <a:r>
+              <a:rPr lang="zh-TW" altLang="en-US" sz="6400" b="1" dirty="0">
+                <a:solidFill>
+                  <a:srgbClr val="660033"/>
+                </a:solidFill>
                 <a:latin typeface="微軟正黑體" pitchFamily="34" charset="-120"/>
                 <a:ea typeface="微軟正黑體" pitchFamily="34" charset="-120"/>
               </a:rPr>
-              <a:t>叮叮噹 叮叮噹 </a:t>
-            </a:r>
-            <a:endParaRPr lang="en-US" altLang="zh-TW" sz="5400" b="1" dirty="0">
+              <a:t>的阿</a:t>
+            </a:r>
+            <a:r>
+              <a:rPr lang="zh-TW" altLang="en-US" sz="6400" b="1" dirty="0">
+                <a:solidFill>
+                  <a:srgbClr val="660033"/>
+                </a:solidFill>
+                <a:latin typeface="微軟正黑體" pitchFamily="34" charset="-120"/>
+                <a:ea typeface="微軟正黑體" pitchFamily="34" charset="-120"/>
+              </a:rPr>
+              <a:t>爸天父 </a:t>
+            </a:r>
+            <a:endParaRPr lang="en-US" altLang="zh-TW" sz="6400" b="1" dirty="0">
+              <a:solidFill>
+                <a:srgbClr val="660033"/>
+              </a:solidFill>
               <a:latin typeface="微軟正黑體" pitchFamily="34" charset="-120"/>
               <a:ea typeface="微軟正黑體" pitchFamily="34" charset="-120"/>
             </a:endParaRPr>
@@ -3552,29 +3606,176 @@
               <a:buNone/>
             </a:pPr>
             <a:r>
-              <a:rPr lang="zh-TW" altLang="en-US" sz="5400" b="1" dirty="0">
+              <a:rPr lang="zh-TW" altLang="en-US" sz="6400" b="1" dirty="0">
+                <a:solidFill>
+                  <a:srgbClr val="660033"/>
+                </a:solidFill>
                 <a:latin typeface="微軟正黑體" pitchFamily="34" charset="-120"/>
                 <a:ea typeface="微軟正黑體" pitchFamily="34" charset="-120"/>
               </a:rPr>
-              <a:t>鈴聲多響亮 </a:t>
-            </a:r>
-            <a:endParaRPr lang="en-US" altLang="zh-TW" sz="5400" b="1" dirty="0">
+              <a:t>差遣愛子為寶貴救贖 </a:t>
+            </a:r>
+            <a:endParaRPr lang="en-US" altLang="zh-TW" sz="6400" b="1" dirty="0">
+              <a:solidFill>
+                <a:srgbClr val="660033"/>
+              </a:solidFill>
               <a:latin typeface="微軟正黑體" pitchFamily="34" charset="-120"/>
               <a:ea typeface="微軟正黑體" pitchFamily="34" charset="-120"/>
             </a:endParaRPr>
           </a:p>
+        </p:txBody>
+      </p:sp>
+      <p:sp>
+        <p:nvSpPr>
+          <p:cNvPr id="3" name="TextBox 2"/>
+          <p:cNvSpPr txBox="1"/>
+          <p:nvPr/>
+        </p:nvSpPr>
+        <p:spPr>
+          <a:xfrm>
+            <a:off x="0" y="5157192"/>
+            <a:ext cx="12192000" cy="707886"/>
+          </a:xfrm>
+          <a:prstGeom prst="rect">
+            <a:avLst/>
+          </a:prstGeom>
+          <a:noFill/>
+        </p:spPr>
+        <p:txBody>
+          <a:bodyPr wrap="square" rtlCol="0">
+            <a:spAutoFit/>
+          </a:bodyPr>
+          <a:lstStyle/>
+          <a:p>
+            <a:pPr algn="ctr"/>
+            <a:r>
+              <a:rPr lang="en-US" sz="4000" b="1" dirty="0">
+                <a:solidFill>
+                  <a:srgbClr val="660033"/>
+                </a:solidFill>
+                <a:latin typeface="Microsoft JhengHei" panose="020B0604030504040204" pitchFamily="34" charset="-120"/>
+                <a:ea typeface="Microsoft JhengHei" panose="020B0604030504040204" pitchFamily="34" charset="-120"/>
+              </a:rPr>
+              <a:t>( </a:t>
+            </a:r>
+            <a:r>
+              <a:rPr lang="zh-CN" altLang="en-US" sz="4000" b="1" dirty="0">
+                <a:solidFill>
+                  <a:srgbClr val="660033"/>
+                </a:solidFill>
+                <a:latin typeface="Microsoft JhengHei" panose="020B0604030504040204" pitchFamily="34" charset="-120"/>
+                <a:ea typeface="Microsoft JhengHei" panose="020B0604030504040204" pitchFamily="34" charset="-120"/>
+              </a:rPr>
+              <a:t>正</a:t>
+            </a:r>
+            <a:r>
+              <a:rPr lang="en-US" sz="4000" b="1" dirty="0">
+                <a:solidFill>
+                  <a:srgbClr val="660033"/>
+                </a:solidFill>
+                <a:latin typeface="Microsoft JhengHei" panose="020B0604030504040204" pitchFamily="34" charset="-120"/>
+                <a:ea typeface="Microsoft JhengHei" panose="020B0604030504040204" pitchFamily="34" charset="-120"/>
+              </a:rPr>
+              <a:t> )</a:t>
+            </a:r>
+            <a:endParaRPr lang="vi-VN" sz="4000" b="1" dirty="0">
+              <a:solidFill>
+                <a:srgbClr val="660033"/>
+              </a:solidFill>
+              <a:ea typeface="Microsoft JhengHei" panose="020B0604030504040204" pitchFamily="34" charset="-120"/>
+            </a:endParaRPr>
+          </a:p>
+        </p:txBody>
+      </p:sp>
+    </p:spTree>
+    <p:extLst>
+      <p:ext uri="{BB962C8B-B14F-4D97-AF65-F5344CB8AC3E}">
+        <p14:creationId xmlns:p14="http://schemas.microsoft.com/office/powerpoint/2010/main" val="4135859588"/>
+      </p:ext>
+    </p:extLst>
+  </p:cSld>
+  <p:clrMapOvr>
+    <a:masterClrMapping/>
+  </p:clrMapOvr>
+</p:sld>
+</file>
+
+<file path=ppt/slides/slide5.xml><?xml version="1.0" encoding="utf-8"?>
+<p:sld xmlns:a="http://schemas.openxmlformats.org/drawingml/2006/main" xmlns:r="http://schemas.openxmlformats.org/officeDocument/2006/relationships" xmlns:p="http://schemas.openxmlformats.org/presentationml/2006/main">
+  <p:cSld>
+    <p:spTree>
+      <p:nvGrpSpPr>
+        <p:cNvPr id="1" name=""/>
+        <p:cNvGrpSpPr/>
+        <p:nvPr/>
+      </p:nvGrpSpPr>
+      <p:grpSpPr>
+        <a:xfrm>
+          <a:off x="0" y="0"/>
+          <a:ext cx="0" cy="0"/>
+          <a:chOff x="0" y="0"/>
+          <a:chExt cx="0" cy="0"/>
+        </a:xfrm>
+      </p:grpSpPr>
+      <p:sp>
+        <p:nvSpPr>
+          <p:cNvPr id="5" name="內容版面配置區 4"/>
+          <p:cNvSpPr>
+            <a:spLocks noGrp="1"/>
+          </p:cNvSpPr>
+          <p:nvPr>
+            <p:ph idx="1"/>
+          </p:nvPr>
+        </p:nvSpPr>
+        <p:spPr>
+          <a:xfrm>
+            <a:off x="0" y="2084851"/>
+            <a:ext cx="12192000" cy="2404863"/>
+          </a:xfrm>
+        </p:spPr>
+        <p:txBody>
+          <a:bodyPr anchor="ctr">
+            <a:normAutofit/>
+          </a:bodyPr>
+          <a:lstStyle/>
           <a:p>
             <a:pPr algn="ctr">
               <a:buNone/>
             </a:pPr>
             <a:r>
-              <a:rPr lang="zh-TW" altLang="en-US" sz="5400" b="1" dirty="0">
+              <a:rPr lang="zh-TW" altLang="en-US" sz="6400" b="1" dirty="0">
+                <a:solidFill>
+                  <a:srgbClr val="660033"/>
+                </a:solidFill>
                 <a:latin typeface="微軟正黑體" pitchFamily="34" charset="-120"/>
                 <a:ea typeface="微軟正黑體" pitchFamily="34" charset="-120"/>
               </a:rPr>
-              <a:t>在這永恆的應許中 </a:t>
-            </a:r>
-            <a:endParaRPr lang="en-US" altLang="zh-TW" sz="5400" b="1" dirty="0">
+              <a:t>祂的降臨揭開</a:t>
+            </a:r>
+            <a:r>
+              <a:rPr lang="zh-TW" altLang="en-US" sz="6400" b="1" dirty="0">
+                <a:solidFill>
+                  <a:srgbClr val="660033"/>
+                </a:solidFill>
+                <a:latin typeface="微軟正黑體" pitchFamily="34" charset="-120"/>
+                <a:ea typeface="微軟正黑體" pitchFamily="34" charset="-120"/>
+              </a:rPr>
+              <a:t>了  救</a:t>
+            </a:r>
+            <a:r>
+              <a:rPr lang="zh-TW" altLang="en-US" sz="6400" b="1" dirty="0">
+                <a:solidFill>
+                  <a:srgbClr val="660033"/>
+                </a:solidFill>
+                <a:latin typeface="微軟正黑體" pitchFamily="34" charset="-120"/>
+                <a:ea typeface="微軟正黑體" pitchFamily="34" charset="-120"/>
+              </a:rPr>
+              <a:t>恩的序幕 </a:t>
+            </a:r>
+            <a:endParaRPr lang="en-US" altLang="zh-TW" sz="6400" b="1" dirty="0">
+              <a:solidFill>
+                <a:srgbClr val="660033"/>
+              </a:solidFill>
               <a:latin typeface="微軟正黑體" pitchFamily="34" charset="-120"/>
               <a:ea typeface="微軟正黑體" pitchFamily="34" charset="-120"/>
             </a:endParaRPr>
@@ -3584,16 +3785,774 @@
               <a:buNone/>
             </a:pPr>
             <a:r>
-              <a:rPr lang="zh-TW" altLang="en-US" sz="5400" b="1" dirty="0">
+              <a:rPr lang="zh-TW" altLang="en-US" sz="6400" b="1" dirty="0">
+                <a:solidFill>
+                  <a:srgbClr val="660033"/>
+                </a:solidFill>
                 <a:latin typeface="微軟正黑體" pitchFamily="34" charset="-120"/>
                 <a:ea typeface="微軟正黑體" pitchFamily="34" charset="-120"/>
               </a:rPr>
+              <a:t>就是主耶穌基督</a:t>
+            </a:r>
+          </a:p>
+        </p:txBody>
+      </p:sp>
+      <p:sp>
+        <p:nvSpPr>
+          <p:cNvPr id="3" name="TextBox 2"/>
+          <p:cNvSpPr txBox="1"/>
+          <p:nvPr/>
+        </p:nvSpPr>
+        <p:spPr>
+          <a:xfrm>
+            <a:off x="0" y="5157192"/>
+            <a:ext cx="12192000" cy="707886"/>
+          </a:xfrm>
+          <a:prstGeom prst="rect">
+            <a:avLst/>
+          </a:prstGeom>
+          <a:noFill/>
+        </p:spPr>
+        <p:txBody>
+          <a:bodyPr wrap="square" rtlCol="0">
+            <a:spAutoFit/>
+          </a:bodyPr>
+          <a:lstStyle/>
+          <a:p>
+            <a:pPr algn="ctr"/>
+            <a:r>
+              <a:rPr lang="en-US" sz="4000" b="1" dirty="0">
+                <a:solidFill>
+                  <a:srgbClr val="660033"/>
+                </a:solidFill>
+                <a:latin typeface="Microsoft JhengHei" panose="020B0604030504040204" pitchFamily="34" charset="-120"/>
+                <a:ea typeface="Microsoft JhengHei" panose="020B0604030504040204" pitchFamily="34" charset="-120"/>
+              </a:rPr>
+              <a:t>( </a:t>
+            </a:r>
+            <a:r>
+              <a:rPr lang="zh-CN" altLang="en-US" sz="4000" b="1" dirty="0">
+                <a:solidFill>
+                  <a:srgbClr val="660033"/>
+                </a:solidFill>
+                <a:latin typeface="Microsoft JhengHei" panose="020B0604030504040204" pitchFamily="34" charset="-120"/>
+                <a:ea typeface="Microsoft JhengHei" panose="020B0604030504040204" pitchFamily="34" charset="-120"/>
+              </a:rPr>
+              <a:t>正</a:t>
+            </a:r>
+            <a:r>
+              <a:rPr lang="en-US" sz="4000" b="1" dirty="0">
+                <a:solidFill>
+                  <a:srgbClr val="660033"/>
+                </a:solidFill>
+                <a:latin typeface="Microsoft JhengHei" panose="020B0604030504040204" pitchFamily="34" charset="-120"/>
+                <a:ea typeface="Microsoft JhengHei" panose="020B0604030504040204" pitchFamily="34" charset="-120"/>
+              </a:rPr>
+              <a:t> )</a:t>
+            </a:r>
+            <a:endParaRPr lang="vi-VN" sz="4000" b="1" dirty="0">
+              <a:solidFill>
+                <a:srgbClr val="660033"/>
+              </a:solidFill>
+              <a:ea typeface="Microsoft JhengHei" panose="020B0604030504040204" pitchFamily="34" charset="-120"/>
+            </a:endParaRPr>
+          </a:p>
+        </p:txBody>
+      </p:sp>
+    </p:spTree>
+    <p:extLst>
+      <p:ext uri="{BB962C8B-B14F-4D97-AF65-F5344CB8AC3E}">
+        <p14:creationId xmlns:p14="http://schemas.microsoft.com/office/powerpoint/2010/main" val="2200713365"/>
+      </p:ext>
+    </p:extLst>
+  </p:cSld>
+  <p:clrMapOvr>
+    <a:masterClrMapping/>
+  </p:clrMapOvr>
+</p:sld>
+</file>
+
+<file path=ppt/slides/slide6.xml><?xml version="1.0" encoding="utf-8"?>
+<p:sld xmlns:a="http://schemas.openxmlformats.org/drawingml/2006/main" xmlns:r="http://schemas.openxmlformats.org/officeDocument/2006/relationships" xmlns:p="http://schemas.openxmlformats.org/presentationml/2006/main">
+  <p:cSld>
+    <p:spTree>
+      <p:nvGrpSpPr>
+        <p:cNvPr id="1" name=""/>
+        <p:cNvGrpSpPr/>
+        <p:nvPr/>
+      </p:nvGrpSpPr>
+      <p:grpSpPr>
+        <a:xfrm>
+          <a:off x="0" y="0"/>
+          <a:ext cx="0" cy="0"/>
+          <a:chOff x="0" y="0"/>
+          <a:chExt cx="0" cy="0"/>
+        </a:xfrm>
+      </p:grpSpPr>
+      <p:sp>
+        <p:nvSpPr>
+          <p:cNvPr id="5" name="內容版面配置區 4"/>
+          <p:cNvSpPr>
+            <a:spLocks noGrp="1"/>
+          </p:cNvSpPr>
+          <p:nvPr>
+            <p:ph idx="1"/>
+          </p:nvPr>
+        </p:nvSpPr>
+        <p:spPr>
+          <a:xfrm>
+            <a:off x="0" y="2084851"/>
+            <a:ext cx="12192000" cy="2404863"/>
+          </a:xfrm>
+        </p:spPr>
+        <p:txBody>
+          <a:bodyPr anchor="ctr">
+            <a:normAutofit/>
+          </a:bodyPr>
+          <a:lstStyle/>
+          <a:p>
+            <a:pPr algn="ctr">
+              <a:buNone/>
+            </a:pPr>
+            <a:r>
+              <a:rPr lang="zh-TW" altLang="en-US" sz="6400" b="1" dirty="0">
+                <a:solidFill>
+                  <a:srgbClr val="660033"/>
+                </a:solidFill>
+                <a:latin typeface="微軟正黑體" pitchFamily="34" charset="-120"/>
+                <a:ea typeface="微軟正黑體" pitchFamily="34" charset="-120"/>
+              </a:rPr>
+              <a:t>叮叮噹 </a:t>
+            </a:r>
+            <a:r>
+              <a:rPr lang="zh-TW" altLang="en-US" sz="6400" b="1" dirty="0">
+                <a:solidFill>
+                  <a:srgbClr val="660033"/>
+                </a:solidFill>
+                <a:latin typeface="微軟正黑體" pitchFamily="34" charset="-120"/>
+                <a:ea typeface="微軟正黑體" pitchFamily="34" charset="-120"/>
+              </a:rPr>
+              <a:t> 叮</a:t>
+            </a:r>
+            <a:r>
+              <a:rPr lang="zh-TW" altLang="en-US" sz="6400" b="1" dirty="0">
+                <a:solidFill>
+                  <a:srgbClr val="660033"/>
+                </a:solidFill>
+                <a:latin typeface="微軟正黑體" pitchFamily="34" charset="-120"/>
+                <a:ea typeface="微軟正黑體" pitchFamily="34" charset="-120"/>
+              </a:rPr>
+              <a:t>叮噹 </a:t>
+            </a:r>
+            <a:endParaRPr lang="en-US" altLang="zh-TW" sz="6400" b="1" dirty="0">
+              <a:solidFill>
+                <a:srgbClr val="660033"/>
+              </a:solidFill>
+              <a:latin typeface="微軟正黑體" pitchFamily="34" charset="-120"/>
+              <a:ea typeface="微軟正黑體" pitchFamily="34" charset="-120"/>
+            </a:endParaRPr>
+          </a:p>
+          <a:p>
+            <a:pPr algn="ctr">
+              <a:buNone/>
+            </a:pPr>
+            <a:r>
+              <a:rPr lang="zh-TW" altLang="en-US" sz="6400" b="1" dirty="0">
+                <a:solidFill>
+                  <a:srgbClr val="660033"/>
+                </a:solidFill>
+                <a:latin typeface="微軟正黑體" pitchFamily="34" charset="-120"/>
+                <a:ea typeface="微軟正黑體" pitchFamily="34" charset="-120"/>
+              </a:rPr>
+              <a:t>鈴聲多響亮</a:t>
+            </a:r>
+          </a:p>
+        </p:txBody>
+      </p:sp>
+      <p:sp>
+        <p:nvSpPr>
+          <p:cNvPr id="3" name="TextBox 2"/>
+          <p:cNvSpPr txBox="1"/>
+          <p:nvPr/>
+        </p:nvSpPr>
+        <p:spPr>
+          <a:xfrm>
+            <a:off x="0" y="5157192"/>
+            <a:ext cx="12192000" cy="707886"/>
+          </a:xfrm>
+          <a:prstGeom prst="rect">
+            <a:avLst/>
+          </a:prstGeom>
+          <a:noFill/>
+        </p:spPr>
+        <p:txBody>
+          <a:bodyPr wrap="square" rtlCol="0">
+            <a:spAutoFit/>
+          </a:bodyPr>
+          <a:lstStyle/>
+          <a:p>
+            <a:pPr algn="ctr"/>
+            <a:r>
+              <a:rPr lang="en-US" sz="4000" b="1" dirty="0">
+                <a:solidFill>
+                  <a:srgbClr val="660033"/>
+                </a:solidFill>
+                <a:latin typeface="Microsoft JhengHei" panose="020B0604030504040204" pitchFamily="34" charset="-120"/>
+                <a:ea typeface="Microsoft JhengHei" panose="020B0604030504040204" pitchFamily="34" charset="-120"/>
+              </a:rPr>
+              <a:t>( </a:t>
+            </a:r>
+            <a:r>
+              <a:rPr lang="zh-CN" altLang="en-US" sz="4000" b="1" dirty="0" smtClean="0">
+                <a:solidFill>
+                  <a:srgbClr val="660033"/>
+                </a:solidFill>
+                <a:latin typeface="Microsoft JhengHei" panose="020B0604030504040204" pitchFamily="34" charset="-120"/>
+                <a:ea typeface="Microsoft JhengHei" panose="020B0604030504040204" pitchFamily="34" charset="-120"/>
+              </a:rPr>
+              <a:t>副</a:t>
+            </a:r>
+            <a:r>
+              <a:rPr lang="en-US" sz="4000" b="1" dirty="0" smtClean="0">
+                <a:solidFill>
+                  <a:srgbClr val="660033"/>
+                </a:solidFill>
+                <a:latin typeface="Microsoft JhengHei" panose="020B0604030504040204" pitchFamily="34" charset="-120"/>
+                <a:ea typeface="Microsoft JhengHei" panose="020B0604030504040204" pitchFamily="34" charset="-120"/>
+              </a:rPr>
+              <a:t> </a:t>
+            </a:r>
+            <a:r>
+              <a:rPr lang="en-US" sz="4000" b="1" dirty="0">
+                <a:solidFill>
+                  <a:srgbClr val="660033"/>
+                </a:solidFill>
+                <a:latin typeface="Microsoft JhengHei" panose="020B0604030504040204" pitchFamily="34" charset="-120"/>
+                <a:ea typeface="Microsoft JhengHei" panose="020B0604030504040204" pitchFamily="34" charset="-120"/>
+              </a:rPr>
+              <a:t>)</a:t>
+            </a:r>
+            <a:endParaRPr lang="vi-VN" sz="4000" b="1" dirty="0">
+              <a:solidFill>
+                <a:srgbClr val="660033"/>
+              </a:solidFill>
+              <a:ea typeface="Microsoft JhengHei" panose="020B0604030504040204" pitchFamily="34" charset="-120"/>
+            </a:endParaRPr>
+          </a:p>
+        </p:txBody>
+      </p:sp>
+    </p:spTree>
+    <p:extLst>
+      <p:ext uri="{BB962C8B-B14F-4D97-AF65-F5344CB8AC3E}">
+        <p14:creationId xmlns:p14="http://schemas.microsoft.com/office/powerpoint/2010/main" val="3785417331"/>
+      </p:ext>
+    </p:extLst>
+  </p:cSld>
+  <p:clrMapOvr>
+    <a:masterClrMapping/>
+  </p:clrMapOvr>
+</p:sld>
+</file>
+
+<file path=ppt/slides/slide7.xml><?xml version="1.0" encoding="utf-8"?>
+<p:sld xmlns:a="http://schemas.openxmlformats.org/drawingml/2006/main" xmlns:r="http://schemas.openxmlformats.org/officeDocument/2006/relationships" xmlns:p="http://schemas.openxmlformats.org/presentationml/2006/main">
+  <p:cSld>
+    <p:spTree>
+      <p:nvGrpSpPr>
+        <p:cNvPr id="1" name=""/>
+        <p:cNvGrpSpPr/>
+        <p:nvPr/>
+      </p:nvGrpSpPr>
+      <p:grpSpPr>
+        <a:xfrm>
+          <a:off x="0" y="0"/>
+          <a:ext cx="0" cy="0"/>
+          <a:chOff x="0" y="0"/>
+          <a:chExt cx="0" cy="0"/>
+        </a:xfrm>
+      </p:grpSpPr>
+      <p:sp>
+        <p:nvSpPr>
+          <p:cNvPr id="5" name="內容版面配置區 4"/>
+          <p:cNvSpPr>
+            <a:spLocks noGrp="1"/>
+          </p:cNvSpPr>
+          <p:nvPr>
+            <p:ph idx="1"/>
+          </p:nvPr>
+        </p:nvSpPr>
+        <p:spPr>
+          <a:xfrm>
+            <a:off x="0" y="2084851"/>
+            <a:ext cx="12192000" cy="2404863"/>
+          </a:xfrm>
+        </p:spPr>
+        <p:txBody>
+          <a:bodyPr anchor="ctr">
+            <a:normAutofit/>
+          </a:bodyPr>
+          <a:lstStyle/>
+          <a:p>
+            <a:pPr algn="ctr">
+              <a:buNone/>
+            </a:pPr>
+            <a:r>
+              <a:rPr lang="zh-TW" altLang="en-US" sz="6400" b="1" dirty="0">
+                <a:solidFill>
+                  <a:srgbClr val="660033"/>
+                </a:solidFill>
+                <a:latin typeface="微軟正黑體" pitchFamily="34" charset="-120"/>
+                <a:ea typeface="微軟正黑體" pitchFamily="34" charset="-120"/>
+              </a:rPr>
+              <a:t>在這閃爍的光彩之中 </a:t>
+            </a:r>
+            <a:endParaRPr lang="en-US" altLang="zh-TW" sz="6400" b="1" dirty="0">
+              <a:solidFill>
+                <a:srgbClr val="660033"/>
+              </a:solidFill>
+              <a:latin typeface="微軟正黑體" pitchFamily="34" charset="-120"/>
+              <a:ea typeface="微軟正黑體" pitchFamily="34" charset="-120"/>
+            </a:endParaRPr>
+          </a:p>
+          <a:p>
+            <a:pPr algn="ctr">
+              <a:buNone/>
+            </a:pPr>
+            <a:r>
+              <a:rPr lang="zh-TW" altLang="en-US" sz="6400" b="1" dirty="0">
+                <a:solidFill>
+                  <a:srgbClr val="660033"/>
+                </a:solidFill>
+                <a:latin typeface="微軟正黑體" pitchFamily="34" charset="-120"/>
+                <a:ea typeface="微軟正黑體" pitchFamily="34" charset="-120"/>
+              </a:rPr>
+              <a:t>我心不住歌頌 </a:t>
+            </a:r>
+          </a:p>
+        </p:txBody>
+      </p:sp>
+      <p:sp>
+        <p:nvSpPr>
+          <p:cNvPr id="3" name="TextBox 2"/>
+          <p:cNvSpPr txBox="1"/>
+          <p:nvPr/>
+        </p:nvSpPr>
+        <p:spPr>
+          <a:xfrm>
+            <a:off x="0" y="5157192"/>
+            <a:ext cx="12192000" cy="707886"/>
+          </a:xfrm>
+          <a:prstGeom prst="rect">
+            <a:avLst/>
+          </a:prstGeom>
+          <a:noFill/>
+        </p:spPr>
+        <p:txBody>
+          <a:bodyPr wrap="square" rtlCol="0">
+            <a:spAutoFit/>
+          </a:bodyPr>
+          <a:lstStyle/>
+          <a:p>
+            <a:pPr algn="ctr"/>
+            <a:r>
+              <a:rPr lang="en-US" sz="4000" b="1" dirty="0">
+                <a:solidFill>
+                  <a:srgbClr val="660033"/>
+                </a:solidFill>
+                <a:latin typeface="Microsoft JhengHei" panose="020B0604030504040204" pitchFamily="34" charset="-120"/>
+                <a:ea typeface="Microsoft JhengHei" panose="020B0604030504040204" pitchFamily="34" charset="-120"/>
+              </a:rPr>
+              <a:t>( </a:t>
+            </a:r>
+            <a:r>
+              <a:rPr lang="zh-CN" altLang="en-US" sz="4000" b="1" dirty="0" smtClean="0">
+                <a:solidFill>
+                  <a:srgbClr val="660033"/>
+                </a:solidFill>
+                <a:latin typeface="Microsoft JhengHei" panose="020B0604030504040204" pitchFamily="34" charset="-120"/>
+                <a:ea typeface="Microsoft JhengHei" panose="020B0604030504040204" pitchFamily="34" charset="-120"/>
+              </a:rPr>
+              <a:t>副</a:t>
+            </a:r>
+            <a:r>
+              <a:rPr lang="en-US" sz="4000" b="1" dirty="0" smtClean="0">
+                <a:solidFill>
+                  <a:srgbClr val="660033"/>
+                </a:solidFill>
+                <a:latin typeface="Microsoft JhengHei" panose="020B0604030504040204" pitchFamily="34" charset="-120"/>
+                <a:ea typeface="Microsoft JhengHei" panose="020B0604030504040204" pitchFamily="34" charset="-120"/>
+              </a:rPr>
+              <a:t> </a:t>
+            </a:r>
+            <a:r>
+              <a:rPr lang="en-US" sz="4000" b="1" dirty="0">
+                <a:solidFill>
+                  <a:srgbClr val="660033"/>
+                </a:solidFill>
+                <a:latin typeface="Microsoft JhengHei" panose="020B0604030504040204" pitchFamily="34" charset="-120"/>
+                <a:ea typeface="Microsoft JhengHei" panose="020B0604030504040204" pitchFamily="34" charset="-120"/>
+              </a:rPr>
+              <a:t>)</a:t>
+            </a:r>
+            <a:endParaRPr lang="vi-VN" sz="4000" b="1" dirty="0">
+              <a:solidFill>
+                <a:srgbClr val="660033"/>
+              </a:solidFill>
+              <a:ea typeface="Microsoft JhengHei" panose="020B0604030504040204" pitchFamily="34" charset="-120"/>
+            </a:endParaRPr>
+          </a:p>
+        </p:txBody>
+      </p:sp>
+    </p:spTree>
+    <p:extLst>
+      <p:ext uri="{BB962C8B-B14F-4D97-AF65-F5344CB8AC3E}">
+        <p14:creationId xmlns:p14="http://schemas.microsoft.com/office/powerpoint/2010/main" val="3336165037"/>
+      </p:ext>
+    </p:extLst>
+  </p:cSld>
+  <p:clrMapOvr>
+    <a:masterClrMapping/>
+  </p:clrMapOvr>
+</p:sld>
+</file>
+
+<file path=ppt/slides/slide8.xml><?xml version="1.0" encoding="utf-8"?>
+<p:sld xmlns:a="http://schemas.openxmlformats.org/drawingml/2006/main" xmlns:r="http://schemas.openxmlformats.org/officeDocument/2006/relationships" xmlns:p="http://schemas.openxmlformats.org/presentationml/2006/main">
+  <p:cSld>
+    <p:spTree>
+      <p:nvGrpSpPr>
+        <p:cNvPr id="1" name=""/>
+        <p:cNvGrpSpPr/>
+        <p:nvPr/>
+      </p:nvGrpSpPr>
+      <p:grpSpPr>
+        <a:xfrm>
+          <a:off x="0" y="0"/>
+          <a:ext cx="0" cy="0"/>
+          <a:chOff x="0" y="0"/>
+          <a:chExt cx="0" cy="0"/>
+        </a:xfrm>
+      </p:grpSpPr>
+      <p:sp>
+        <p:nvSpPr>
+          <p:cNvPr id="5" name="內容版面配置區 4"/>
+          <p:cNvSpPr>
+            <a:spLocks noGrp="1"/>
+          </p:cNvSpPr>
+          <p:nvPr>
+            <p:ph idx="1"/>
+          </p:nvPr>
+        </p:nvSpPr>
+        <p:spPr>
+          <a:xfrm>
+            <a:off x="0" y="2084851"/>
+            <a:ext cx="12192000" cy="2404863"/>
+          </a:xfrm>
+        </p:spPr>
+        <p:txBody>
+          <a:bodyPr anchor="ctr">
+            <a:normAutofit/>
+          </a:bodyPr>
+          <a:lstStyle/>
+          <a:p>
+            <a:pPr algn="ctr">
+              <a:buNone/>
+            </a:pPr>
+            <a:r>
+              <a:rPr lang="zh-TW" altLang="en-US" sz="6400" b="1" dirty="0">
+                <a:solidFill>
+                  <a:srgbClr val="660033"/>
+                </a:solidFill>
+                <a:latin typeface="微軟正黑體" pitchFamily="34" charset="-120"/>
+                <a:ea typeface="微軟正黑體" pitchFamily="34" charset="-120"/>
+              </a:rPr>
+              <a:t>叮叮噹 </a:t>
+            </a:r>
+            <a:r>
+              <a:rPr lang="zh-TW" altLang="en-US" sz="6400" b="1" dirty="0">
+                <a:solidFill>
+                  <a:srgbClr val="660033"/>
+                </a:solidFill>
+                <a:latin typeface="微軟正黑體" pitchFamily="34" charset="-120"/>
+                <a:ea typeface="微軟正黑體" pitchFamily="34" charset="-120"/>
+              </a:rPr>
+              <a:t> 叮</a:t>
+            </a:r>
+            <a:r>
+              <a:rPr lang="zh-TW" altLang="en-US" sz="6400" b="1" dirty="0">
+                <a:solidFill>
+                  <a:srgbClr val="660033"/>
+                </a:solidFill>
+                <a:latin typeface="微軟正黑體" pitchFamily="34" charset="-120"/>
+                <a:ea typeface="微軟正黑體" pitchFamily="34" charset="-120"/>
+              </a:rPr>
+              <a:t>叮噹 </a:t>
+            </a:r>
+            <a:endParaRPr lang="en-US" altLang="zh-TW" sz="6400" b="1" dirty="0">
+              <a:solidFill>
+                <a:srgbClr val="660033"/>
+              </a:solidFill>
+              <a:latin typeface="微軟正黑體" pitchFamily="34" charset="-120"/>
+              <a:ea typeface="微軟正黑體" pitchFamily="34" charset="-120"/>
+            </a:endParaRPr>
+          </a:p>
+          <a:p>
+            <a:pPr algn="ctr">
+              <a:buNone/>
+            </a:pPr>
+            <a:r>
+              <a:rPr lang="zh-TW" altLang="en-US" sz="6400" b="1" dirty="0">
+                <a:solidFill>
+                  <a:srgbClr val="660033"/>
+                </a:solidFill>
+                <a:latin typeface="微軟正黑體" pitchFamily="34" charset="-120"/>
+                <a:ea typeface="微軟正黑體" pitchFamily="34" charset="-120"/>
+              </a:rPr>
+              <a:t>鈴聲多響亮</a:t>
+            </a:r>
+          </a:p>
+        </p:txBody>
+      </p:sp>
+      <p:sp>
+        <p:nvSpPr>
+          <p:cNvPr id="3" name="TextBox 2"/>
+          <p:cNvSpPr txBox="1"/>
+          <p:nvPr/>
+        </p:nvSpPr>
+        <p:spPr>
+          <a:xfrm>
+            <a:off x="0" y="5157192"/>
+            <a:ext cx="12192000" cy="707886"/>
+          </a:xfrm>
+          <a:prstGeom prst="rect">
+            <a:avLst/>
+          </a:prstGeom>
+          <a:noFill/>
+        </p:spPr>
+        <p:txBody>
+          <a:bodyPr wrap="square" rtlCol="0">
+            <a:spAutoFit/>
+          </a:bodyPr>
+          <a:lstStyle/>
+          <a:p>
+            <a:pPr algn="ctr"/>
+            <a:r>
+              <a:rPr lang="en-US" sz="4000" b="1" dirty="0">
+                <a:solidFill>
+                  <a:srgbClr val="660033"/>
+                </a:solidFill>
+                <a:latin typeface="Microsoft JhengHei" panose="020B0604030504040204" pitchFamily="34" charset="-120"/>
+                <a:ea typeface="Microsoft JhengHei" panose="020B0604030504040204" pitchFamily="34" charset="-120"/>
+              </a:rPr>
+              <a:t>( </a:t>
+            </a:r>
+            <a:r>
+              <a:rPr lang="zh-CN" altLang="en-US" sz="4000" b="1" dirty="0" smtClean="0">
+                <a:solidFill>
+                  <a:srgbClr val="660033"/>
+                </a:solidFill>
+                <a:latin typeface="Microsoft JhengHei" panose="020B0604030504040204" pitchFamily="34" charset="-120"/>
+                <a:ea typeface="Microsoft JhengHei" panose="020B0604030504040204" pitchFamily="34" charset="-120"/>
+              </a:rPr>
+              <a:t>副</a:t>
+            </a:r>
+            <a:r>
+              <a:rPr lang="en-US" sz="4000" b="1" dirty="0" smtClean="0">
+                <a:solidFill>
+                  <a:srgbClr val="660033"/>
+                </a:solidFill>
+                <a:latin typeface="Microsoft JhengHei" panose="020B0604030504040204" pitchFamily="34" charset="-120"/>
+                <a:ea typeface="Microsoft JhengHei" panose="020B0604030504040204" pitchFamily="34" charset="-120"/>
+              </a:rPr>
+              <a:t> </a:t>
+            </a:r>
+            <a:r>
+              <a:rPr lang="en-US" sz="4000" b="1" dirty="0">
+                <a:solidFill>
+                  <a:srgbClr val="660033"/>
+                </a:solidFill>
+                <a:latin typeface="Microsoft JhengHei" panose="020B0604030504040204" pitchFamily="34" charset="-120"/>
+                <a:ea typeface="Microsoft JhengHei" panose="020B0604030504040204" pitchFamily="34" charset="-120"/>
+              </a:rPr>
+              <a:t>)</a:t>
+            </a:r>
+            <a:endParaRPr lang="vi-VN" sz="4000" b="1" dirty="0">
+              <a:solidFill>
+                <a:srgbClr val="660033"/>
+              </a:solidFill>
+              <a:ea typeface="Microsoft JhengHei" panose="020B0604030504040204" pitchFamily="34" charset="-120"/>
+            </a:endParaRPr>
+          </a:p>
+        </p:txBody>
+      </p:sp>
+    </p:spTree>
+    <p:extLst>
+      <p:ext uri="{BB962C8B-B14F-4D97-AF65-F5344CB8AC3E}">
+        <p14:creationId xmlns:p14="http://schemas.microsoft.com/office/powerpoint/2010/main" val="3674966225"/>
+      </p:ext>
+    </p:extLst>
+  </p:cSld>
+  <p:clrMapOvr>
+    <a:masterClrMapping/>
+  </p:clrMapOvr>
+</p:sld>
+</file>
+
+<file path=ppt/slides/slide9.xml><?xml version="1.0" encoding="utf-8"?>
+<p:sld xmlns:a="http://schemas.openxmlformats.org/drawingml/2006/main" xmlns:r="http://schemas.openxmlformats.org/officeDocument/2006/relationships" xmlns:p="http://schemas.openxmlformats.org/presentationml/2006/main">
+  <p:cSld>
+    <p:spTree>
+      <p:nvGrpSpPr>
+        <p:cNvPr id="1" name=""/>
+        <p:cNvGrpSpPr/>
+        <p:nvPr/>
+      </p:nvGrpSpPr>
+      <p:grpSpPr>
+        <a:xfrm>
+          <a:off x="0" y="0"/>
+          <a:ext cx="0" cy="0"/>
+          <a:chOff x="0" y="0"/>
+          <a:chExt cx="0" cy="0"/>
+        </a:xfrm>
+      </p:grpSpPr>
+      <p:sp>
+        <p:nvSpPr>
+          <p:cNvPr id="5" name="內容版面配置區 4"/>
+          <p:cNvSpPr>
+            <a:spLocks noGrp="1"/>
+          </p:cNvSpPr>
+          <p:nvPr>
+            <p:ph idx="1"/>
+          </p:nvPr>
+        </p:nvSpPr>
+        <p:spPr>
+          <a:xfrm>
+            <a:off x="0" y="2084851"/>
+            <a:ext cx="12192000" cy="2404863"/>
+          </a:xfrm>
+        </p:spPr>
+        <p:txBody>
+          <a:bodyPr anchor="ctr">
+            <a:normAutofit/>
+          </a:bodyPr>
+          <a:lstStyle/>
+          <a:p>
+            <a:pPr algn="ctr">
+              <a:buNone/>
+            </a:pPr>
+            <a:r>
+              <a:rPr lang="zh-TW" altLang="en-US" sz="6400" b="1" dirty="0">
+                <a:solidFill>
+                  <a:srgbClr val="660033"/>
+                </a:solidFill>
+                <a:latin typeface="微軟正黑體" pitchFamily="34" charset="-120"/>
+                <a:ea typeface="微軟正黑體" pitchFamily="34" charset="-120"/>
+              </a:rPr>
+              <a:t>在這永恆的應許中 </a:t>
+            </a:r>
+            <a:endParaRPr lang="en-US" altLang="zh-TW" sz="6400" b="1" dirty="0">
+              <a:solidFill>
+                <a:srgbClr val="660033"/>
+              </a:solidFill>
+              <a:latin typeface="微軟正黑體" pitchFamily="34" charset="-120"/>
+              <a:ea typeface="微軟正黑體" pitchFamily="34" charset="-120"/>
+            </a:endParaRPr>
+          </a:p>
+          <a:p>
+            <a:pPr algn="ctr">
+              <a:buNone/>
+            </a:pPr>
+            <a:r>
+              <a:rPr lang="zh-TW" altLang="en-US" sz="6400" b="1" dirty="0">
+                <a:solidFill>
+                  <a:srgbClr val="660033"/>
+                </a:solidFill>
+                <a:latin typeface="微軟正黑體" pitchFamily="34" charset="-120"/>
+                <a:ea typeface="微軟正黑體" pitchFamily="34" charset="-120"/>
+              </a:rPr>
               <a:t>耶穌是最美的禮物</a:t>
             </a:r>
           </a:p>
         </p:txBody>
       </p:sp>
+      <p:sp>
+        <p:nvSpPr>
+          <p:cNvPr id="3" name="TextBox 2"/>
+          <p:cNvSpPr txBox="1"/>
+          <p:nvPr/>
+        </p:nvSpPr>
+        <p:spPr>
+          <a:xfrm>
+            <a:off x="0" y="5157192"/>
+            <a:ext cx="12192000" cy="707886"/>
+          </a:xfrm>
+          <a:prstGeom prst="rect">
+            <a:avLst/>
+          </a:prstGeom>
+          <a:noFill/>
+        </p:spPr>
+        <p:txBody>
+          <a:bodyPr wrap="square" rtlCol="0">
+            <a:spAutoFit/>
+          </a:bodyPr>
+          <a:lstStyle/>
+          <a:p>
+            <a:pPr algn="ctr"/>
+            <a:r>
+              <a:rPr lang="en-US" sz="4000" b="1" dirty="0">
+                <a:solidFill>
+                  <a:srgbClr val="660033"/>
+                </a:solidFill>
+                <a:latin typeface="Microsoft JhengHei" panose="020B0604030504040204" pitchFamily="34" charset="-120"/>
+                <a:ea typeface="Microsoft JhengHei" panose="020B0604030504040204" pitchFamily="34" charset="-120"/>
+              </a:rPr>
+              <a:t>( </a:t>
+            </a:r>
+            <a:r>
+              <a:rPr lang="zh-CN" altLang="en-US" sz="4000" b="1" dirty="0" smtClean="0">
+                <a:solidFill>
+                  <a:srgbClr val="660033"/>
+                </a:solidFill>
+                <a:latin typeface="Microsoft JhengHei" panose="020B0604030504040204" pitchFamily="34" charset="-120"/>
+                <a:ea typeface="Microsoft JhengHei" panose="020B0604030504040204" pitchFamily="34" charset="-120"/>
+              </a:rPr>
+              <a:t>副</a:t>
+            </a:r>
+            <a:r>
+              <a:rPr lang="en-US" sz="4000" b="1" dirty="0" smtClean="0">
+                <a:solidFill>
+                  <a:srgbClr val="660033"/>
+                </a:solidFill>
+                <a:latin typeface="Microsoft JhengHei" panose="020B0604030504040204" pitchFamily="34" charset="-120"/>
+                <a:ea typeface="Microsoft JhengHei" panose="020B0604030504040204" pitchFamily="34" charset="-120"/>
+              </a:rPr>
+              <a:t> </a:t>
+            </a:r>
+            <a:r>
+              <a:rPr lang="en-US" sz="4000" b="1" dirty="0">
+                <a:solidFill>
+                  <a:srgbClr val="660033"/>
+                </a:solidFill>
+                <a:latin typeface="Microsoft JhengHei" panose="020B0604030504040204" pitchFamily="34" charset="-120"/>
+                <a:ea typeface="Microsoft JhengHei" panose="020B0604030504040204" pitchFamily="34" charset="-120"/>
+              </a:rPr>
+              <a:t>)</a:t>
+            </a:r>
+            <a:endParaRPr lang="vi-VN" sz="4000" b="1" dirty="0">
+              <a:solidFill>
+                <a:srgbClr val="660033"/>
+              </a:solidFill>
+              <a:ea typeface="Microsoft JhengHei" panose="020B0604030504040204" pitchFamily="34" charset="-120"/>
+            </a:endParaRPr>
+          </a:p>
+        </p:txBody>
+      </p:sp>
     </p:spTree>
+    <p:extLst>
+      <p:ext uri="{BB962C8B-B14F-4D97-AF65-F5344CB8AC3E}">
+        <p14:creationId xmlns:p14="http://schemas.microsoft.com/office/powerpoint/2010/main" val="1382910420"/>
+      </p:ext>
+    </p:extLst>
   </p:cSld>
   <p:clrMapOvr>
     <a:masterClrMapping/>
@@ -3602,7 +4561,7 @@
 </file>
 
 <file path=ppt/theme/theme1.xml><?xml version="1.0" encoding="utf-8"?>
-<a:theme xmlns:a="http://schemas.openxmlformats.org/drawingml/2006/main" name="Office 佈景主題">
+<a:theme xmlns:a="http://schemas.openxmlformats.org/drawingml/2006/main" name="Theme1">
   <a:themeElements>
     <a:clrScheme name="Office">
       <a:dk1>
@@ -3881,5 +4840,10 @@
   </a:themeElements>
   <a:objectDefaults/>
   <a:extraClrSchemeLst/>
+  <a:extLst>
+    <a:ext uri="{05A4C25C-085E-4340-85A3-A5531E510DB2}">
+      <thm15:themeFamily xmlns:thm15="http://schemas.microsoft.com/office/thememl/2012/main" name="Theme1" id="{23B7672A-1FE2-4E11-BE12-50D697DE8E2E}" vid="{387DA035-66C8-4D33-A85A-A6A471110951}"/>
+    </a:ext>
+  </a:extLst>
 </a:theme>
 </file>